--- a/Mestrado_PabloThiele.pptx
+++ b/Mestrado_PabloThiele.pptx
@@ -772,23 +772,21 @@
           <a:bodyPr/>
           <a:lstStyle/>
           <a:p>
-            <a:r>
-              <a:rPr lang="pt-BR" dirty="0" err="1" smtClean="0"/>
-              <a:t>Djsdjksdksd</a:t>
-            </a:r>
             <a:endParaRPr lang="pt-BR" dirty="0" smtClean="0"/>
           </a:p>
           <a:p>
-            <a:r>
-              <a:rPr lang="pt-BR" dirty="0" err="1" smtClean="0"/>
-              <a:t>Jdskkjdsjdkjsd</a:t>
-            </a:r>
+            <a:endParaRPr lang="pt-BR" dirty="0"/>
+          </a:p>
+          <a:p>
             <a:endParaRPr lang="pt-BR" dirty="0" smtClean="0"/>
           </a:p>
           <a:p>
-            <a:r>
-              <a:rPr lang="pt-BR" dirty="0" err="1" smtClean="0"/>
-              <a:t>hjsdkhjdjhds</a:t>
+            <a:endParaRPr lang="pt-BR" dirty="0"/>
+          </a:p>
+          <a:p>
+            <a:r>
+              <a:rPr lang="pt-BR" dirty="0" smtClean="0"/>
+              <a:t>Apresentação pessoal</a:t>
             </a:r>
             <a:endParaRPr lang="en-US" dirty="0"/>
           </a:p>
@@ -822,6 +820,1035 @@
     <p:extLst>
       <p:ext uri="{BB962C8B-B14F-4D97-AF65-F5344CB8AC3E}">
         <p14:creationId xmlns:p14="http://schemas.microsoft.com/office/powerpoint/2010/main" val="2613813316"/>
+      </p:ext>
+    </p:extLst>
+  </p:cSld>
+  <p:clrMapOvr>
+    <a:masterClrMapping/>
+  </p:clrMapOvr>
+</p:notes>
+</file>
+
+<file path=ppt/notesSlides/notesSlide10.xml><?xml version="1.0" encoding="utf-8"?>
+<p:notes xmlns:a="http://schemas.openxmlformats.org/drawingml/2006/main" xmlns:r="http://schemas.openxmlformats.org/officeDocument/2006/relationships" xmlns:p="http://schemas.openxmlformats.org/presentationml/2006/main">
+  <p:cSld>
+    <p:spTree>
+      <p:nvGrpSpPr>
+        <p:cNvPr id="1" name=""/>
+        <p:cNvGrpSpPr/>
+        <p:nvPr/>
+      </p:nvGrpSpPr>
+      <p:grpSpPr>
+        <a:xfrm>
+          <a:off x="0" y="0"/>
+          <a:ext cx="0" cy="0"/>
+          <a:chOff x="0" y="0"/>
+          <a:chExt cx="0" cy="0"/>
+        </a:xfrm>
+      </p:grpSpPr>
+      <p:sp>
+        <p:nvSpPr>
+          <p:cNvPr id="2" name="Slide Image Placeholder 1"/>
+          <p:cNvSpPr>
+            <a:spLocks noGrp="1" noRot="1" noChangeAspect="1"/>
+          </p:cNvSpPr>
+          <p:nvPr>
+            <p:ph type="sldImg"/>
+          </p:nvPr>
+        </p:nvSpPr>
+        <p:spPr/>
+      </p:sp>
+      <p:sp>
+        <p:nvSpPr>
+          <p:cNvPr id="3" name="Notes Placeholder 2"/>
+          <p:cNvSpPr>
+            <a:spLocks noGrp="1"/>
+          </p:cNvSpPr>
+          <p:nvPr>
+            <p:ph type="body" idx="1"/>
+          </p:nvPr>
+        </p:nvSpPr>
+        <p:spPr/>
+        <p:txBody>
+          <a:bodyPr/>
+          <a:lstStyle/>
+          <a:p>
+            <a:endParaRPr lang="en-US"/>
+          </a:p>
+        </p:txBody>
+      </p:sp>
+      <p:sp>
+        <p:nvSpPr>
+          <p:cNvPr id="4" name="Slide Number Placeholder 3"/>
+          <p:cNvSpPr>
+            <a:spLocks noGrp="1"/>
+          </p:cNvSpPr>
+          <p:nvPr>
+            <p:ph type="sldNum" sz="quarter" idx="10"/>
+          </p:nvPr>
+        </p:nvSpPr>
+        <p:spPr/>
+        <p:txBody>
+          <a:bodyPr/>
+          <a:lstStyle/>
+          <a:p>
+            <a:fld id="{B8796F01-7154-41E0-B48B-A6921757531A}" type="slidenum">
+              <a:rPr lang="en-US" smtClean="0"/>
+              <a:pPr/>
+              <a:t>10</a:t>
+            </a:fld>
+            <a:endParaRPr lang="en-US"/>
+          </a:p>
+        </p:txBody>
+      </p:sp>
+    </p:spTree>
+    <p:extLst>
+      <p:ext uri="{BB962C8B-B14F-4D97-AF65-F5344CB8AC3E}">
+        <p14:creationId xmlns:p14="http://schemas.microsoft.com/office/powerpoint/2010/main" val="2505965802"/>
+      </p:ext>
+    </p:extLst>
+  </p:cSld>
+  <p:clrMapOvr>
+    <a:masterClrMapping/>
+  </p:clrMapOvr>
+</p:notes>
+</file>
+
+<file path=ppt/notesSlides/notesSlide11.xml><?xml version="1.0" encoding="utf-8"?>
+<p:notes xmlns:a="http://schemas.openxmlformats.org/drawingml/2006/main" xmlns:r="http://schemas.openxmlformats.org/officeDocument/2006/relationships" xmlns:p="http://schemas.openxmlformats.org/presentationml/2006/main">
+  <p:cSld>
+    <p:spTree>
+      <p:nvGrpSpPr>
+        <p:cNvPr id="1" name=""/>
+        <p:cNvGrpSpPr/>
+        <p:nvPr/>
+      </p:nvGrpSpPr>
+      <p:grpSpPr>
+        <a:xfrm>
+          <a:off x="0" y="0"/>
+          <a:ext cx="0" cy="0"/>
+          <a:chOff x="0" y="0"/>
+          <a:chExt cx="0" cy="0"/>
+        </a:xfrm>
+      </p:grpSpPr>
+      <p:sp>
+        <p:nvSpPr>
+          <p:cNvPr id="2" name="Slide Image Placeholder 1"/>
+          <p:cNvSpPr>
+            <a:spLocks noGrp="1" noRot="1" noChangeAspect="1"/>
+          </p:cNvSpPr>
+          <p:nvPr>
+            <p:ph type="sldImg"/>
+          </p:nvPr>
+        </p:nvSpPr>
+        <p:spPr/>
+      </p:sp>
+      <p:sp>
+        <p:nvSpPr>
+          <p:cNvPr id="3" name="Notes Placeholder 2"/>
+          <p:cNvSpPr>
+            <a:spLocks noGrp="1"/>
+          </p:cNvSpPr>
+          <p:nvPr>
+            <p:ph type="body" idx="1"/>
+          </p:nvPr>
+        </p:nvSpPr>
+        <p:spPr/>
+        <p:txBody>
+          <a:bodyPr/>
+          <a:lstStyle/>
+          <a:p>
+            <a:endParaRPr lang="pt-BR" dirty="0" smtClean="0"/>
+          </a:p>
+          <a:p>
+            <a:endParaRPr lang="pt-BR" dirty="0"/>
+          </a:p>
+          <a:p>
+            <a:r>
+              <a:rPr lang="pt-BR" dirty="0" smtClean="0"/>
+              <a:t>ULTIMO DA METODOLOGIA</a:t>
+            </a:r>
+          </a:p>
+          <a:p>
+            <a:endParaRPr lang="pt-BR" dirty="0"/>
+          </a:p>
+          <a:p>
+            <a:endParaRPr lang="pt-BR" dirty="0" smtClean="0"/>
+          </a:p>
+          <a:p>
+            <a:endParaRPr lang="pt-BR" dirty="0"/>
+          </a:p>
+          <a:p>
+            <a:endParaRPr lang="pt-BR" dirty="0" smtClean="0"/>
+          </a:p>
+          <a:p>
+            <a:r>
+              <a:rPr lang="pt-BR" dirty="0" smtClean="0"/>
+              <a:t>NEXT</a:t>
+            </a:r>
+            <a:r>
+              <a:rPr lang="pt-BR" dirty="0" smtClean="0">
+                <a:sym typeface="Wingdings" panose="05000000000000000000" pitchFamily="2" charset="2"/>
+              </a:rPr>
+              <a:t> CENARIO E CONTEXTUALIZAÇÃO</a:t>
+            </a:r>
+            <a:endParaRPr lang="en-US" dirty="0"/>
+          </a:p>
+        </p:txBody>
+      </p:sp>
+      <p:sp>
+        <p:nvSpPr>
+          <p:cNvPr id="4" name="Slide Number Placeholder 3"/>
+          <p:cNvSpPr>
+            <a:spLocks noGrp="1"/>
+          </p:cNvSpPr>
+          <p:nvPr>
+            <p:ph type="sldNum" sz="quarter" idx="10"/>
+          </p:nvPr>
+        </p:nvSpPr>
+        <p:spPr/>
+        <p:txBody>
+          <a:bodyPr/>
+          <a:lstStyle/>
+          <a:p>
+            <a:fld id="{B8796F01-7154-41E0-B48B-A6921757531A}" type="slidenum">
+              <a:rPr lang="en-US" smtClean="0"/>
+              <a:pPr/>
+              <a:t>11</a:t>
+            </a:fld>
+            <a:endParaRPr lang="en-US"/>
+          </a:p>
+        </p:txBody>
+      </p:sp>
+    </p:spTree>
+    <p:extLst>
+      <p:ext uri="{BB962C8B-B14F-4D97-AF65-F5344CB8AC3E}">
+        <p14:creationId xmlns:p14="http://schemas.microsoft.com/office/powerpoint/2010/main" val="2311711630"/>
+      </p:ext>
+    </p:extLst>
+  </p:cSld>
+  <p:clrMapOvr>
+    <a:masterClrMapping/>
+  </p:clrMapOvr>
+</p:notes>
+</file>
+
+<file path=ppt/notesSlides/notesSlide12.xml><?xml version="1.0" encoding="utf-8"?>
+<p:notes xmlns:a="http://schemas.openxmlformats.org/drawingml/2006/main" xmlns:r="http://schemas.openxmlformats.org/officeDocument/2006/relationships" xmlns:p="http://schemas.openxmlformats.org/presentationml/2006/main">
+  <p:cSld>
+    <p:spTree>
+      <p:nvGrpSpPr>
+        <p:cNvPr id="1" name=""/>
+        <p:cNvGrpSpPr/>
+        <p:nvPr/>
+      </p:nvGrpSpPr>
+      <p:grpSpPr>
+        <a:xfrm>
+          <a:off x="0" y="0"/>
+          <a:ext cx="0" cy="0"/>
+          <a:chOff x="0" y="0"/>
+          <a:chExt cx="0" cy="0"/>
+        </a:xfrm>
+      </p:grpSpPr>
+      <p:sp>
+        <p:nvSpPr>
+          <p:cNvPr id="2" name="Slide Image Placeholder 1"/>
+          <p:cNvSpPr>
+            <a:spLocks noGrp="1" noRot="1" noChangeAspect="1"/>
+          </p:cNvSpPr>
+          <p:nvPr>
+            <p:ph type="sldImg"/>
+          </p:nvPr>
+        </p:nvSpPr>
+        <p:spPr/>
+      </p:sp>
+      <p:sp>
+        <p:nvSpPr>
+          <p:cNvPr id="3" name="Notes Placeholder 2"/>
+          <p:cNvSpPr>
+            <a:spLocks noGrp="1"/>
+          </p:cNvSpPr>
+          <p:nvPr>
+            <p:ph type="body" idx="1"/>
+          </p:nvPr>
+        </p:nvSpPr>
+        <p:spPr/>
+        <p:txBody>
+          <a:bodyPr/>
+          <a:lstStyle/>
+          <a:p>
+            <a:endParaRPr lang="en-US"/>
+          </a:p>
+        </p:txBody>
+      </p:sp>
+      <p:sp>
+        <p:nvSpPr>
+          <p:cNvPr id="4" name="Slide Number Placeholder 3"/>
+          <p:cNvSpPr>
+            <a:spLocks noGrp="1"/>
+          </p:cNvSpPr>
+          <p:nvPr>
+            <p:ph type="sldNum" sz="quarter" idx="10"/>
+          </p:nvPr>
+        </p:nvSpPr>
+        <p:spPr/>
+        <p:txBody>
+          <a:bodyPr/>
+          <a:lstStyle/>
+          <a:p>
+            <a:fld id="{B8796F01-7154-41E0-B48B-A6921757531A}" type="slidenum">
+              <a:rPr lang="en-US" smtClean="0"/>
+              <a:pPr/>
+              <a:t>12</a:t>
+            </a:fld>
+            <a:endParaRPr lang="en-US"/>
+          </a:p>
+        </p:txBody>
+      </p:sp>
+    </p:spTree>
+    <p:extLst>
+      <p:ext uri="{BB962C8B-B14F-4D97-AF65-F5344CB8AC3E}">
+        <p14:creationId xmlns:p14="http://schemas.microsoft.com/office/powerpoint/2010/main" val="1230979128"/>
+      </p:ext>
+    </p:extLst>
+  </p:cSld>
+  <p:clrMapOvr>
+    <a:masterClrMapping/>
+  </p:clrMapOvr>
+</p:notes>
+</file>
+
+<file path=ppt/notesSlides/notesSlide13.xml><?xml version="1.0" encoding="utf-8"?>
+<p:notes xmlns:a="http://schemas.openxmlformats.org/drawingml/2006/main" xmlns:r="http://schemas.openxmlformats.org/officeDocument/2006/relationships" xmlns:p="http://schemas.openxmlformats.org/presentationml/2006/main">
+  <p:cSld>
+    <p:spTree>
+      <p:nvGrpSpPr>
+        <p:cNvPr id="1" name=""/>
+        <p:cNvGrpSpPr/>
+        <p:nvPr/>
+      </p:nvGrpSpPr>
+      <p:grpSpPr>
+        <a:xfrm>
+          <a:off x="0" y="0"/>
+          <a:ext cx="0" cy="0"/>
+          <a:chOff x="0" y="0"/>
+          <a:chExt cx="0" cy="0"/>
+        </a:xfrm>
+      </p:grpSpPr>
+      <p:sp>
+        <p:nvSpPr>
+          <p:cNvPr id="2" name="Slide Image Placeholder 1"/>
+          <p:cNvSpPr>
+            <a:spLocks noGrp="1" noRot="1" noChangeAspect="1"/>
+          </p:cNvSpPr>
+          <p:nvPr>
+            <p:ph type="sldImg"/>
+          </p:nvPr>
+        </p:nvSpPr>
+        <p:spPr/>
+      </p:sp>
+      <p:sp>
+        <p:nvSpPr>
+          <p:cNvPr id="3" name="Notes Placeholder 2"/>
+          <p:cNvSpPr>
+            <a:spLocks noGrp="1"/>
+          </p:cNvSpPr>
+          <p:nvPr>
+            <p:ph type="body" idx="1"/>
+          </p:nvPr>
+        </p:nvSpPr>
+        <p:spPr/>
+        <p:txBody>
+          <a:bodyPr/>
+          <a:lstStyle/>
+          <a:p>
+            <a:endParaRPr lang="en-US"/>
+          </a:p>
+        </p:txBody>
+      </p:sp>
+      <p:sp>
+        <p:nvSpPr>
+          <p:cNvPr id="4" name="Slide Number Placeholder 3"/>
+          <p:cNvSpPr>
+            <a:spLocks noGrp="1"/>
+          </p:cNvSpPr>
+          <p:nvPr>
+            <p:ph type="sldNum" sz="quarter" idx="10"/>
+          </p:nvPr>
+        </p:nvSpPr>
+        <p:spPr/>
+        <p:txBody>
+          <a:bodyPr/>
+          <a:lstStyle/>
+          <a:p>
+            <a:fld id="{B8796F01-7154-41E0-B48B-A6921757531A}" type="slidenum">
+              <a:rPr lang="en-US" smtClean="0"/>
+              <a:pPr/>
+              <a:t>13</a:t>
+            </a:fld>
+            <a:endParaRPr lang="en-US"/>
+          </a:p>
+        </p:txBody>
+      </p:sp>
+    </p:spTree>
+    <p:extLst>
+      <p:ext uri="{BB962C8B-B14F-4D97-AF65-F5344CB8AC3E}">
+        <p14:creationId xmlns:p14="http://schemas.microsoft.com/office/powerpoint/2010/main" val="1339473776"/>
+      </p:ext>
+    </p:extLst>
+  </p:cSld>
+  <p:clrMapOvr>
+    <a:masterClrMapping/>
+  </p:clrMapOvr>
+</p:notes>
+</file>
+
+<file path=ppt/notesSlides/notesSlide14.xml><?xml version="1.0" encoding="utf-8"?>
+<p:notes xmlns:a="http://schemas.openxmlformats.org/drawingml/2006/main" xmlns:r="http://schemas.openxmlformats.org/officeDocument/2006/relationships" xmlns:p="http://schemas.openxmlformats.org/presentationml/2006/main">
+  <p:cSld>
+    <p:spTree>
+      <p:nvGrpSpPr>
+        <p:cNvPr id="1" name=""/>
+        <p:cNvGrpSpPr/>
+        <p:nvPr/>
+      </p:nvGrpSpPr>
+      <p:grpSpPr>
+        <a:xfrm>
+          <a:off x="0" y="0"/>
+          <a:ext cx="0" cy="0"/>
+          <a:chOff x="0" y="0"/>
+          <a:chExt cx="0" cy="0"/>
+        </a:xfrm>
+      </p:grpSpPr>
+      <p:sp>
+        <p:nvSpPr>
+          <p:cNvPr id="2" name="Slide Image Placeholder 1"/>
+          <p:cNvSpPr>
+            <a:spLocks noGrp="1" noRot="1" noChangeAspect="1"/>
+          </p:cNvSpPr>
+          <p:nvPr>
+            <p:ph type="sldImg"/>
+          </p:nvPr>
+        </p:nvSpPr>
+        <p:spPr/>
+      </p:sp>
+      <p:sp>
+        <p:nvSpPr>
+          <p:cNvPr id="3" name="Notes Placeholder 2"/>
+          <p:cNvSpPr>
+            <a:spLocks noGrp="1"/>
+          </p:cNvSpPr>
+          <p:nvPr>
+            <p:ph type="body" idx="1"/>
+          </p:nvPr>
+        </p:nvSpPr>
+        <p:spPr/>
+        <p:txBody>
+          <a:bodyPr/>
+          <a:lstStyle/>
+          <a:p>
+            <a:endParaRPr lang="pt-BR" dirty="0" smtClean="0"/>
+          </a:p>
+          <a:p>
+            <a:endParaRPr lang="pt-BR" dirty="0"/>
+          </a:p>
+          <a:p>
+            <a:endParaRPr lang="pt-BR" dirty="0" smtClean="0"/>
+          </a:p>
+          <a:p>
+            <a:r>
+              <a:rPr lang="pt-BR" dirty="0" smtClean="0"/>
+              <a:t>NEXT </a:t>
+            </a:r>
+            <a:r>
+              <a:rPr lang="pt-BR" dirty="0" smtClean="0">
+                <a:sym typeface="Wingdings" panose="05000000000000000000" pitchFamily="2" charset="2"/>
+              </a:rPr>
+              <a:t> TABELA COMPARATIVA</a:t>
+            </a:r>
+            <a:endParaRPr lang="en-US" dirty="0"/>
+          </a:p>
+        </p:txBody>
+      </p:sp>
+      <p:sp>
+        <p:nvSpPr>
+          <p:cNvPr id="4" name="Slide Number Placeholder 3"/>
+          <p:cNvSpPr>
+            <a:spLocks noGrp="1"/>
+          </p:cNvSpPr>
+          <p:nvPr>
+            <p:ph type="sldNum" sz="quarter" idx="10"/>
+          </p:nvPr>
+        </p:nvSpPr>
+        <p:spPr/>
+        <p:txBody>
+          <a:bodyPr/>
+          <a:lstStyle/>
+          <a:p>
+            <a:fld id="{B8796F01-7154-41E0-B48B-A6921757531A}" type="slidenum">
+              <a:rPr lang="en-US" smtClean="0"/>
+              <a:pPr/>
+              <a:t>14</a:t>
+            </a:fld>
+            <a:endParaRPr lang="en-US"/>
+          </a:p>
+        </p:txBody>
+      </p:sp>
+    </p:spTree>
+    <p:extLst>
+      <p:ext uri="{BB962C8B-B14F-4D97-AF65-F5344CB8AC3E}">
+        <p14:creationId xmlns:p14="http://schemas.microsoft.com/office/powerpoint/2010/main" val="1185242513"/>
+      </p:ext>
+    </p:extLst>
+  </p:cSld>
+  <p:clrMapOvr>
+    <a:masterClrMapping/>
+  </p:clrMapOvr>
+</p:notes>
+</file>
+
+<file path=ppt/notesSlides/notesSlide15.xml><?xml version="1.0" encoding="utf-8"?>
+<p:notes xmlns:a="http://schemas.openxmlformats.org/drawingml/2006/main" xmlns:r="http://schemas.openxmlformats.org/officeDocument/2006/relationships" xmlns:p="http://schemas.openxmlformats.org/presentationml/2006/main">
+  <p:cSld>
+    <p:spTree>
+      <p:nvGrpSpPr>
+        <p:cNvPr id="1" name=""/>
+        <p:cNvGrpSpPr/>
+        <p:nvPr/>
+      </p:nvGrpSpPr>
+      <p:grpSpPr>
+        <a:xfrm>
+          <a:off x="0" y="0"/>
+          <a:ext cx="0" cy="0"/>
+          <a:chOff x="0" y="0"/>
+          <a:chExt cx="0" cy="0"/>
+        </a:xfrm>
+      </p:grpSpPr>
+      <p:sp>
+        <p:nvSpPr>
+          <p:cNvPr id="2" name="Slide Image Placeholder 1"/>
+          <p:cNvSpPr>
+            <a:spLocks noGrp="1" noRot="1" noChangeAspect="1"/>
+          </p:cNvSpPr>
+          <p:nvPr>
+            <p:ph type="sldImg"/>
+          </p:nvPr>
+        </p:nvSpPr>
+        <p:spPr/>
+      </p:sp>
+      <p:sp>
+        <p:nvSpPr>
+          <p:cNvPr id="3" name="Notes Placeholder 2"/>
+          <p:cNvSpPr>
+            <a:spLocks noGrp="1"/>
+          </p:cNvSpPr>
+          <p:nvPr>
+            <p:ph type="body" idx="1"/>
+          </p:nvPr>
+        </p:nvSpPr>
+        <p:spPr/>
+        <p:txBody>
+          <a:bodyPr/>
+          <a:lstStyle/>
+          <a:p>
+            <a:endParaRPr lang="pt-BR" dirty="0"/>
+          </a:p>
+          <a:p>
+            <a:endParaRPr lang="pt-BR" dirty="0"/>
+          </a:p>
+          <a:p>
+            <a:endParaRPr lang="pt-BR" dirty="0"/>
+          </a:p>
+          <a:p>
+            <a:endParaRPr lang="pt-BR" dirty="0"/>
+          </a:p>
+          <a:p>
+            <a:endParaRPr lang="pt-BR" dirty="0"/>
+          </a:p>
+          <a:p>
+            <a:r>
+              <a:rPr lang="pt-BR" dirty="0" smtClean="0"/>
+              <a:t>NEXT </a:t>
+            </a:r>
+            <a:r>
+              <a:rPr lang="pt-BR" dirty="0" smtClean="0">
+                <a:sym typeface="Wingdings" panose="05000000000000000000" pitchFamily="2" charset="2"/>
+              </a:rPr>
+              <a:t> DESENVOLVIMENTO</a:t>
+            </a:r>
+            <a:endParaRPr lang="en-US" dirty="0"/>
+          </a:p>
+        </p:txBody>
+      </p:sp>
+      <p:sp>
+        <p:nvSpPr>
+          <p:cNvPr id="4" name="Slide Number Placeholder 3"/>
+          <p:cNvSpPr>
+            <a:spLocks noGrp="1"/>
+          </p:cNvSpPr>
+          <p:nvPr>
+            <p:ph type="sldNum" sz="quarter" idx="10"/>
+          </p:nvPr>
+        </p:nvSpPr>
+        <p:spPr/>
+        <p:txBody>
+          <a:bodyPr/>
+          <a:lstStyle/>
+          <a:p>
+            <a:fld id="{B8796F01-7154-41E0-B48B-A6921757531A}" type="slidenum">
+              <a:rPr lang="en-US" smtClean="0"/>
+              <a:pPr/>
+              <a:t>15</a:t>
+            </a:fld>
+            <a:endParaRPr lang="en-US"/>
+          </a:p>
+        </p:txBody>
+      </p:sp>
+    </p:spTree>
+    <p:extLst>
+      <p:ext uri="{BB962C8B-B14F-4D97-AF65-F5344CB8AC3E}">
+        <p14:creationId xmlns:p14="http://schemas.microsoft.com/office/powerpoint/2010/main" val="1581700922"/>
+      </p:ext>
+    </p:extLst>
+  </p:cSld>
+  <p:clrMapOvr>
+    <a:masterClrMapping/>
+  </p:clrMapOvr>
+</p:notes>
+</file>
+
+<file path=ppt/notesSlides/notesSlide16.xml><?xml version="1.0" encoding="utf-8"?>
+<p:notes xmlns:a="http://schemas.openxmlformats.org/drawingml/2006/main" xmlns:r="http://schemas.openxmlformats.org/officeDocument/2006/relationships" xmlns:p="http://schemas.openxmlformats.org/presentationml/2006/main">
+  <p:cSld>
+    <p:spTree>
+      <p:nvGrpSpPr>
+        <p:cNvPr id="1" name=""/>
+        <p:cNvGrpSpPr/>
+        <p:nvPr/>
+      </p:nvGrpSpPr>
+      <p:grpSpPr>
+        <a:xfrm>
+          <a:off x="0" y="0"/>
+          <a:ext cx="0" cy="0"/>
+          <a:chOff x="0" y="0"/>
+          <a:chExt cx="0" cy="0"/>
+        </a:xfrm>
+      </p:grpSpPr>
+      <p:sp>
+        <p:nvSpPr>
+          <p:cNvPr id="2" name="Slide Image Placeholder 1"/>
+          <p:cNvSpPr>
+            <a:spLocks noGrp="1" noRot="1" noChangeAspect="1"/>
+          </p:cNvSpPr>
+          <p:nvPr>
+            <p:ph type="sldImg"/>
+          </p:nvPr>
+        </p:nvSpPr>
+        <p:spPr/>
+      </p:sp>
+      <p:sp>
+        <p:nvSpPr>
+          <p:cNvPr id="3" name="Notes Placeholder 2"/>
+          <p:cNvSpPr>
+            <a:spLocks noGrp="1"/>
+          </p:cNvSpPr>
+          <p:nvPr>
+            <p:ph type="body" idx="1"/>
+          </p:nvPr>
+        </p:nvSpPr>
+        <p:spPr/>
+        <p:txBody>
+          <a:bodyPr/>
+          <a:lstStyle/>
+          <a:p>
+            <a:endParaRPr lang="pt-BR" dirty="0" smtClean="0"/>
+          </a:p>
+          <a:p>
+            <a:endParaRPr lang="pt-BR" dirty="0"/>
+          </a:p>
+          <a:p>
+            <a:endParaRPr lang="en-US" dirty="0"/>
+          </a:p>
+        </p:txBody>
+      </p:sp>
+      <p:sp>
+        <p:nvSpPr>
+          <p:cNvPr id="4" name="Slide Number Placeholder 3"/>
+          <p:cNvSpPr>
+            <a:spLocks noGrp="1"/>
+          </p:cNvSpPr>
+          <p:nvPr>
+            <p:ph type="sldNum" sz="quarter" idx="10"/>
+          </p:nvPr>
+        </p:nvSpPr>
+        <p:spPr/>
+        <p:txBody>
+          <a:bodyPr/>
+          <a:lstStyle/>
+          <a:p>
+            <a:fld id="{B8796F01-7154-41E0-B48B-A6921757531A}" type="slidenum">
+              <a:rPr lang="en-US" smtClean="0"/>
+              <a:pPr/>
+              <a:t>16</a:t>
+            </a:fld>
+            <a:endParaRPr lang="en-US"/>
+          </a:p>
+        </p:txBody>
+      </p:sp>
+    </p:spTree>
+    <p:extLst>
+      <p:ext uri="{BB962C8B-B14F-4D97-AF65-F5344CB8AC3E}">
+        <p14:creationId xmlns:p14="http://schemas.microsoft.com/office/powerpoint/2010/main" val="2405189049"/>
+      </p:ext>
+    </p:extLst>
+  </p:cSld>
+  <p:clrMapOvr>
+    <a:masterClrMapping/>
+  </p:clrMapOvr>
+</p:notes>
+</file>
+
+<file path=ppt/notesSlides/notesSlide17.xml><?xml version="1.0" encoding="utf-8"?>
+<p:notes xmlns:a="http://schemas.openxmlformats.org/drawingml/2006/main" xmlns:r="http://schemas.openxmlformats.org/officeDocument/2006/relationships" xmlns:p="http://schemas.openxmlformats.org/presentationml/2006/main">
+  <p:cSld>
+    <p:spTree>
+      <p:nvGrpSpPr>
+        <p:cNvPr id="1" name=""/>
+        <p:cNvGrpSpPr/>
+        <p:nvPr/>
+      </p:nvGrpSpPr>
+      <p:grpSpPr>
+        <a:xfrm>
+          <a:off x="0" y="0"/>
+          <a:ext cx="0" cy="0"/>
+          <a:chOff x="0" y="0"/>
+          <a:chExt cx="0" cy="0"/>
+        </a:xfrm>
+      </p:grpSpPr>
+      <p:sp>
+        <p:nvSpPr>
+          <p:cNvPr id="2" name="Slide Image Placeholder 1"/>
+          <p:cNvSpPr>
+            <a:spLocks noGrp="1" noRot="1" noChangeAspect="1"/>
+          </p:cNvSpPr>
+          <p:nvPr>
+            <p:ph type="sldImg"/>
+          </p:nvPr>
+        </p:nvSpPr>
+        <p:spPr/>
+      </p:sp>
+      <p:sp>
+        <p:nvSpPr>
+          <p:cNvPr id="3" name="Notes Placeholder 2"/>
+          <p:cNvSpPr>
+            <a:spLocks noGrp="1"/>
+          </p:cNvSpPr>
+          <p:nvPr>
+            <p:ph type="body" idx="1"/>
+          </p:nvPr>
+        </p:nvSpPr>
+        <p:spPr/>
+        <p:txBody>
+          <a:bodyPr/>
+          <a:lstStyle/>
+          <a:p>
+            <a:endParaRPr lang="pt-BR" dirty="0" smtClean="0"/>
+          </a:p>
+          <a:p>
+            <a:r>
+              <a:rPr lang="pt-BR" dirty="0" smtClean="0"/>
+              <a:t>Texto Original </a:t>
+            </a:r>
+            <a:r>
+              <a:rPr lang="pt-BR" dirty="0" err="1" smtClean="0"/>
+              <a:t>MacMorpho</a:t>
+            </a:r>
+            <a:endParaRPr lang="pt-BR" dirty="0" smtClean="0"/>
+          </a:p>
+          <a:p>
+            <a:r>
+              <a:rPr lang="pt-BR" dirty="0" smtClean="0"/>
+              <a:t>	Texto sem as TAGS</a:t>
+            </a:r>
+          </a:p>
+          <a:p>
+            <a:r>
+              <a:rPr lang="pt-BR" dirty="0"/>
+              <a:t>	</a:t>
+            </a:r>
+            <a:r>
+              <a:rPr lang="pt-BR" dirty="0" smtClean="0"/>
+              <a:t>	DESAMBIGUAÇÃO</a:t>
+            </a:r>
+          </a:p>
+          <a:p>
+            <a:endParaRPr lang="pt-BR" dirty="0"/>
+          </a:p>
+          <a:p>
+            <a:endParaRPr lang="pt-BR" dirty="0" smtClean="0"/>
+          </a:p>
+          <a:p>
+            <a:endParaRPr lang="pt-BR" dirty="0"/>
+          </a:p>
+          <a:p>
+            <a:endParaRPr lang="pt-BR" dirty="0" smtClean="0"/>
+          </a:p>
+          <a:p>
+            <a:r>
+              <a:rPr lang="pt-BR" dirty="0" smtClean="0"/>
+              <a:t>ALEATÓRIO</a:t>
+            </a:r>
+          </a:p>
+          <a:p>
+            <a:endParaRPr lang="pt-BR" dirty="0"/>
+          </a:p>
+          <a:p>
+            <a:r>
+              <a:rPr lang="pt-BR" dirty="0" smtClean="0"/>
+              <a:t>PONDERADO</a:t>
+            </a:r>
+          </a:p>
+          <a:p>
+            <a:endParaRPr lang="pt-BR" dirty="0"/>
+          </a:p>
+          <a:p>
+            <a:r>
+              <a:rPr lang="pt-BR" dirty="0" smtClean="0"/>
+              <a:t>ESTATÍSTICO</a:t>
+            </a:r>
+          </a:p>
+          <a:p>
+            <a:r>
+              <a:rPr lang="pt-BR" dirty="0"/>
+              <a:t>	</a:t>
+            </a:r>
+            <a:r>
+              <a:rPr lang="pt-BR" dirty="0" smtClean="0"/>
+              <a:t>	</a:t>
+            </a:r>
+          </a:p>
+        </p:txBody>
+      </p:sp>
+      <p:sp>
+        <p:nvSpPr>
+          <p:cNvPr id="4" name="Slide Number Placeholder 3"/>
+          <p:cNvSpPr>
+            <a:spLocks noGrp="1"/>
+          </p:cNvSpPr>
+          <p:nvPr>
+            <p:ph type="sldNum" sz="quarter" idx="10"/>
+          </p:nvPr>
+        </p:nvSpPr>
+        <p:spPr/>
+        <p:txBody>
+          <a:bodyPr/>
+          <a:lstStyle/>
+          <a:p>
+            <a:fld id="{B8796F01-7154-41E0-B48B-A6921757531A}" type="slidenum">
+              <a:rPr lang="en-US" smtClean="0"/>
+              <a:pPr/>
+              <a:t>17</a:t>
+            </a:fld>
+            <a:endParaRPr lang="en-US"/>
+          </a:p>
+        </p:txBody>
+      </p:sp>
+    </p:spTree>
+    <p:extLst>
+      <p:ext uri="{BB962C8B-B14F-4D97-AF65-F5344CB8AC3E}">
+        <p14:creationId xmlns:p14="http://schemas.microsoft.com/office/powerpoint/2010/main" val="2409192088"/>
+      </p:ext>
+    </p:extLst>
+  </p:cSld>
+  <p:clrMapOvr>
+    <a:masterClrMapping/>
+  </p:clrMapOvr>
+</p:notes>
+</file>
+
+<file path=ppt/notesSlides/notesSlide18.xml><?xml version="1.0" encoding="utf-8"?>
+<p:notes xmlns:a="http://schemas.openxmlformats.org/drawingml/2006/main" xmlns:r="http://schemas.openxmlformats.org/officeDocument/2006/relationships" xmlns:p="http://schemas.openxmlformats.org/presentationml/2006/main">
+  <p:cSld>
+    <p:spTree>
+      <p:nvGrpSpPr>
+        <p:cNvPr id="1" name=""/>
+        <p:cNvGrpSpPr/>
+        <p:nvPr/>
+      </p:nvGrpSpPr>
+      <p:grpSpPr>
+        <a:xfrm>
+          <a:off x="0" y="0"/>
+          <a:ext cx="0" cy="0"/>
+          <a:chOff x="0" y="0"/>
+          <a:chExt cx="0" cy="0"/>
+        </a:xfrm>
+      </p:grpSpPr>
+      <p:sp>
+        <p:nvSpPr>
+          <p:cNvPr id="2" name="Slide Image Placeholder 1"/>
+          <p:cNvSpPr>
+            <a:spLocks noGrp="1" noRot="1" noChangeAspect="1"/>
+          </p:cNvSpPr>
+          <p:nvPr>
+            <p:ph type="sldImg"/>
+          </p:nvPr>
+        </p:nvSpPr>
+        <p:spPr/>
+      </p:sp>
+      <p:sp>
+        <p:nvSpPr>
+          <p:cNvPr id="3" name="Notes Placeholder 2"/>
+          <p:cNvSpPr>
+            <a:spLocks noGrp="1"/>
+          </p:cNvSpPr>
+          <p:nvPr>
+            <p:ph type="body" idx="1"/>
+          </p:nvPr>
+        </p:nvSpPr>
+        <p:spPr/>
+        <p:txBody>
+          <a:bodyPr/>
+          <a:lstStyle/>
+          <a:p>
+            <a:endParaRPr lang="pt-BR" dirty="0" smtClean="0"/>
+          </a:p>
+          <a:p>
+            <a:endParaRPr lang="pt-BR" dirty="0"/>
+          </a:p>
+          <a:p>
+            <a:endParaRPr lang="pt-BR" dirty="0" smtClean="0"/>
+          </a:p>
+          <a:p>
+            <a:endParaRPr lang="pt-BR" dirty="0"/>
+          </a:p>
+          <a:p>
+            <a:r>
+              <a:rPr lang="pt-BR" dirty="0" smtClean="0"/>
+              <a:t>EXPLIQUE ESCOLHA – RELACIONADA AO TRABALHO </a:t>
+            </a:r>
+          </a:p>
+          <a:p>
+            <a:r>
+              <a:rPr lang="pt-BR" dirty="0" smtClean="0"/>
+              <a:t>PROFISSIONAL</a:t>
+            </a:r>
+            <a:endParaRPr lang="en-US" dirty="0"/>
+          </a:p>
+        </p:txBody>
+      </p:sp>
+      <p:sp>
+        <p:nvSpPr>
+          <p:cNvPr id="4" name="Slide Number Placeholder 3"/>
+          <p:cNvSpPr>
+            <a:spLocks noGrp="1"/>
+          </p:cNvSpPr>
+          <p:nvPr>
+            <p:ph type="sldNum" sz="quarter" idx="10"/>
+          </p:nvPr>
+        </p:nvSpPr>
+        <p:spPr/>
+        <p:txBody>
+          <a:bodyPr/>
+          <a:lstStyle/>
+          <a:p>
+            <a:fld id="{B8796F01-7154-41E0-B48B-A6921757531A}" type="slidenum">
+              <a:rPr lang="en-US" smtClean="0"/>
+              <a:pPr/>
+              <a:t>18</a:t>
+            </a:fld>
+            <a:endParaRPr lang="en-US"/>
+          </a:p>
+        </p:txBody>
+      </p:sp>
+    </p:spTree>
+    <p:extLst>
+      <p:ext uri="{BB962C8B-B14F-4D97-AF65-F5344CB8AC3E}">
+        <p14:creationId xmlns:p14="http://schemas.microsoft.com/office/powerpoint/2010/main" val="3577035705"/>
+      </p:ext>
+    </p:extLst>
+  </p:cSld>
+  <p:clrMapOvr>
+    <a:masterClrMapping/>
+  </p:clrMapOvr>
+</p:notes>
+</file>
+
+<file path=ppt/notesSlides/notesSlide19.xml><?xml version="1.0" encoding="utf-8"?>
+<p:notes xmlns:a="http://schemas.openxmlformats.org/drawingml/2006/main" xmlns:r="http://schemas.openxmlformats.org/officeDocument/2006/relationships" xmlns:p="http://schemas.openxmlformats.org/presentationml/2006/main">
+  <p:cSld>
+    <p:spTree>
+      <p:nvGrpSpPr>
+        <p:cNvPr id="1" name=""/>
+        <p:cNvGrpSpPr/>
+        <p:nvPr/>
+      </p:nvGrpSpPr>
+      <p:grpSpPr>
+        <a:xfrm>
+          <a:off x="0" y="0"/>
+          <a:ext cx="0" cy="0"/>
+          <a:chOff x="0" y="0"/>
+          <a:chExt cx="0" cy="0"/>
+        </a:xfrm>
+      </p:grpSpPr>
+      <p:sp>
+        <p:nvSpPr>
+          <p:cNvPr id="2" name="Slide Image Placeholder 1"/>
+          <p:cNvSpPr>
+            <a:spLocks noGrp="1" noRot="1" noChangeAspect="1"/>
+          </p:cNvSpPr>
+          <p:nvPr>
+            <p:ph type="sldImg"/>
+          </p:nvPr>
+        </p:nvSpPr>
+        <p:spPr/>
+      </p:sp>
+      <p:sp>
+        <p:nvSpPr>
+          <p:cNvPr id="3" name="Notes Placeholder 2"/>
+          <p:cNvSpPr>
+            <a:spLocks noGrp="1"/>
+          </p:cNvSpPr>
+          <p:nvPr>
+            <p:ph type="body" idx="1"/>
+          </p:nvPr>
+        </p:nvSpPr>
+        <p:spPr/>
+        <p:txBody>
+          <a:bodyPr/>
+          <a:lstStyle/>
+          <a:p>
+            <a:endParaRPr lang="en-US"/>
+          </a:p>
+        </p:txBody>
+      </p:sp>
+      <p:sp>
+        <p:nvSpPr>
+          <p:cNvPr id="4" name="Slide Number Placeholder 3"/>
+          <p:cNvSpPr>
+            <a:spLocks noGrp="1"/>
+          </p:cNvSpPr>
+          <p:nvPr>
+            <p:ph type="sldNum" sz="quarter" idx="10"/>
+          </p:nvPr>
+        </p:nvSpPr>
+        <p:spPr/>
+        <p:txBody>
+          <a:bodyPr/>
+          <a:lstStyle/>
+          <a:p>
+            <a:fld id="{B8796F01-7154-41E0-B48B-A6921757531A}" type="slidenum">
+              <a:rPr lang="en-US" smtClean="0"/>
+              <a:pPr/>
+              <a:t>19</a:t>
+            </a:fld>
+            <a:endParaRPr lang="en-US"/>
+          </a:p>
+        </p:txBody>
+      </p:sp>
+    </p:spTree>
+    <p:extLst>
+      <p:ext uri="{BB962C8B-B14F-4D97-AF65-F5344CB8AC3E}">
+        <p14:creationId xmlns:p14="http://schemas.microsoft.com/office/powerpoint/2010/main" val="500111876"/>
       </p:ext>
     </p:extLst>
   </p:cSld>
@@ -875,7 +1902,26 @@
           <a:bodyPr/>
           <a:lstStyle/>
           <a:p>
-            <a:endParaRPr lang="en-US"/>
+            <a:endParaRPr lang="pt-BR" dirty="0" smtClean="0"/>
+          </a:p>
+          <a:p>
+            <a:r>
+              <a:rPr lang="pt-BR" dirty="0" smtClean="0"/>
+              <a:t>Explique cada</a:t>
+            </a:r>
+            <a:r>
+              <a:rPr lang="en-US" dirty="0"/>
+              <a:t> </a:t>
+            </a:r>
+            <a:r>
+              <a:rPr lang="en-US" dirty="0" smtClean="0"/>
+              <a:t>item do </a:t>
+            </a:r>
+            <a:r>
+              <a:rPr lang="en-US" dirty="0" err="1" smtClean="0"/>
+              <a:t>roteiro</a:t>
+            </a:r>
+            <a:endParaRPr lang="pt-BR" dirty="0" smtClean="0"/>
           </a:p>
         </p:txBody>
       </p:sp>
@@ -907,6 +1953,758 @@
     <p:extLst>
       <p:ext uri="{BB962C8B-B14F-4D97-AF65-F5344CB8AC3E}">
         <p14:creationId xmlns:p14="http://schemas.microsoft.com/office/powerpoint/2010/main" val="346427254"/>
+      </p:ext>
+    </p:extLst>
+  </p:cSld>
+  <p:clrMapOvr>
+    <a:masterClrMapping/>
+  </p:clrMapOvr>
+</p:notes>
+</file>
+
+<file path=ppt/notesSlides/notesSlide20.xml><?xml version="1.0" encoding="utf-8"?>
+<p:notes xmlns:a="http://schemas.openxmlformats.org/drawingml/2006/main" xmlns:r="http://schemas.openxmlformats.org/officeDocument/2006/relationships" xmlns:p="http://schemas.openxmlformats.org/presentationml/2006/main">
+  <p:cSld>
+    <p:spTree>
+      <p:nvGrpSpPr>
+        <p:cNvPr id="1" name=""/>
+        <p:cNvGrpSpPr/>
+        <p:nvPr/>
+      </p:nvGrpSpPr>
+      <p:grpSpPr>
+        <a:xfrm>
+          <a:off x="0" y="0"/>
+          <a:ext cx="0" cy="0"/>
+          <a:chOff x="0" y="0"/>
+          <a:chExt cx="0" cy="0"/>
+        </a:xfrm>
+      </p:grpSpPr>
+      <p:sp>
+        <p:nvSpPr>
+          <p:cNvPr id="2" name="Slide Image Placeholder 1"/>
+          <p:cNvSpPr>
+            <a:spLocks noGrp="1" noRot="1" noChangeAspect="1"/>
+          </p:cNvSpPr>
+          <p:nvPr>
+            <p:ph type="sldImg"/>
+          </p:nvPr>
+        </p:nvSpPr>
+        <p:spPr/>
+      </p:sp>
+      <p:sp>
+        <p:nvSpPr>
+          <p:cNvPr id="3" name="Notes Placeholder 2"/>
+          <p:cNvSpPr>
+            <a:spLocks noGrp="1"/>
+          </p:cNvSpPr>
+          <p:nvPr>
+            <p:ph type="body" idx="1"/>
+          </p:nvPr>
+        </p:nvSpPr>
+        <p:spPr/>
+        <p:txBody>
+          <a:bodyPr/>
+          <a:lstStyle/>
+          <a:p>
+            <a:endParaRPr lang="en-US"/>
+          </a:p>
+        </p:txBody>
+      </p:sp>
+      <p:sp>
+        <p:nvSpPr>
+          <p:cNvPr id="4" name="Slide Number Placeholder 3"/>
+          <p:cNvSpPr>
+            <a:spLocks noGrp="1"/>
+          </p:cNvSpPr>
+          <p:nvPr>
+            <p:ph type="sldNum" sz="quarter" idx="10"/>
+          </p:nvPr>
+        </p:nvSpPr>
+        <p:spPr/>
+        <p:txBody>
+          <a:bodyPr/>
+          <a:lstStyle/>
+          <a:p>
+            <a:fld id="{B8796F01-7154-41E0-B48B-A6921757531A}" type="slidenum">
+              <a:rPr lang="en-US" smtClean="0"/>
+              <a:pPr/>
+              <a:t>20</a:t>
+            </a:fld>
+            <a:endParaRPr lang="en-US"/>
+          </a:p>
+        </p:txBody>
+      </p:sp>
+    </p:spTree>
+    <p:extLst>
+      <p:ext uri="{BB962C8B-B14F-4D97-AF65-F5344CB8AC3E}">
+        <p14:creationId xmlns:p14="http://schemas.microsoft.com/office/powerpoint/2010/main" val="3070164676"/>
+      </p:ext>
+    </p:extLst>
+  </p:cSld>
+  <p:clrMapOvr>
+    <a:masterClrMapping/>
+  </p:clrMapOvr>
+</p:notes>
+</file>
+
+<file path=ppt/notesSlides/notesSlide21.xml><?xml version="1.0" encoding="utf-8"?>
+<p:notes xmlns:a="http://schemas.openxmlformats.org/drawingml/2006/main" xmlns:r="http://schemas.openxmlformats.org/officeDocument/2006/relationships" xmlns:p="http://schemas.openxmlformats.org/presentationml/2006/main">
+  <p:cSld>
+    <p:spTree>
+      <p:nvGrpSpPr>
+        <p:cNvPr id="1" name=""/>
+        <p:cNvGrpSpPr/>
+        <p:nvPr/>
+      </p:nvGrpSpPr>
+      <p:grpSpPr>
+        <a:xfrm>
+          <a:off x="0" y="0"/>
+          <a:ext cx="0" cy="0"/>
+          <a:chOff x="0" y="0"/>
+          <a:chExt cx="0" cy="0"/>
+        </a:xfrm>
+      </p:grpSpPr>
+      <p:sp>
+        <p:nvSpPr>
+          <p:cNvPr id="2" name="Slide Image Placeholder 1"/>
+          <p:cNvSpPr>
+            <a:spLocks noGrp="1" noRot="1" noChangeAspect="1"/>
+          </p:cNvSpPr>
+          <p:nvPr>
+            <p:ph type="sldImg"/>
+          </p:nvPr>
+        </p:nvSpPr>
+        <p:spPr/>
+      </p:sp>
+      <p:sp>
+        <p:nvSpPr>
+          <p:cNvPr id="3" name="Notes Placeholder 2"/>
+          <p:cNvSpPr>
+            <a:spLocks noGrp="1"/>
+          </p:cNvSpPr>
+          <p:nvPr>
+            <p:ph type="body" idx="1"/>
+          </p:nvPr>
+        </p:nvSpPr>
+        <p:spPr/>
+        <p:txBody>
+          <a:bodyPr/>
+          <a:lstStyle/>
+          <a:p>
+            <a:endParaRPr lang="en-US"/>
+          </a:p>
+        </p:txBody>
+      </p:sp>
+      <p:sp>
+        <p:nvSpPr>
+          <p:cNvPr id="4" name="Slide Number Placeholder 3"/>
+          <p:cNvSpPr>
+            <a:spLocks noGrp="1"/>
+          </p:cNvSpPr>
+          <p:nvPr>
+            <p:ph type="sldNum" sz="quarter" idx="10"/>
+          </p:nvPr>
+        </p:nvSpPr>
+        <p:spPr/>
+        <p:txBody>
+          <a:bodyPr/>
+          <a:lstStyle/>
+          <a:p>
+            <a:fld id="{B8796F01-7154-41E0-B48B-A6921757531A}" type="slidenum">
+              <a:rPr lang="en-US" smtClean="0"/>
+              <a:pPr/>
+              <a:t>21</a:t>
+            </a:fld>
+            <a:endParaRPr lang="en-US"/>
+          </a:p>
+        </p:txBody>
+      </p:sp>
+    </p:spTree>
+    <p:extLst>
+      <p:ext uri="{BB962C8B-B14F-4D97-AF65-F5344CB8AC3E}">
+        <p14:creationId xmlns:p14="http://schemas.microsoft.com/office/powerpoint/2010/main" val="2272840427"/>
+      </p:ext>
+    </p:extLst>
+  </p:cSld>
+  <p:clrMapOvr>
+    <a:masterClrMapping/>
+  </p:clrMapOvr>
+</p:notes>
+</file>
+
+<file path=ppt/notesSlides/notesSlide22.xml><?xml version="1.0" encoding="utf-8"?>
+<p:notes xmlns:a="http://schemas.openxmlformats.org/drawingml/2006/main" xmlns:r="http://schemas.openxmlformats.org/officeDocument/2006/relationships" xmlns:p="http://schemas.openxmlformats.org/presentationml/2006/main">
+  <p:cSld>
+    <p:spTree>
+      <p:nvGrpSpPr>
+        <p:cNvPr id="1" name=""/>
+        <p:cNvGrpSpPr/>
+        <p:nvPr/>
+      </p:nvGrpSpPr>
+      <p:grpSpPr>
+        <a:xfrm>
+          <a:off x="0" y="0"/>
+          <a:ext cx="0" cy="0"/>
+          <a:chOff x="0" y="0"/>
+          <a:chExt cx="0" cy="0"/>
+        </a:xfrm>
+      </p:grpSpPr>
+      <p:sp>
+        <p:nvSpPr>
+          <p:cNvPr id="2" name="Slide Image Placeholder 1"/>
+          <p:cNvSpPr>
+            <a:spLocks noGrp="1" noRot="1" noChangeAspect="1"/>
+          </p:cNvSpPr>
+          <p:nvPr>
+            <p:ph type="sldImg"/>
+          </p:nvPr>
+        </p:nvSpPr>
+        <p:spPr/>
+      </p:sp>
+      <p:sp>
+        <p:nvSpPr>
+          <p:cNvPr id="3" name="Notes Placeholder 2"/>
+          <p:cNvSpPr>
+            <a:spLocks noGrp="1"/>
+          </p:cNvSpPr>
+          <p:nvPr>
+            <p:ph type="body" idx="1"/>
+          </p:nvPr>
+        </p:nvSpPr>
+        <p:spPr/>
+        <p:txBody>
+          <a:bodyPr/>
+          <a:lstStyle/>
+          <a:p>
+            <a:endParaRPr lang="en-US"/>
+          </a:p>
+        </p:txBody>
+      </p:sp>
+      <p:sp>
+        <p:nvSpPr>
+          <p:cNvPr id="4" name="Slide Number Placeholder 3"/>
+          <p:cNvSpPr>
+            <a:spLocks noGrp="1"/>
+          </p:cNvSpPr>
+          <p:nvPr>
+            <p:ph type="sldNum" sz="quarter" idx="10"/>
+          </p:nvPr>
+        </p:nvSpPr>
+        <p:spPr/>
+        <p:txBody>
+          <a:bodyPr/>
+          <a:lstStyle/>
+          <a:p>
+            <a:fld id="{B8796F01-7154-41E0-B48B-A6921757531A}" type="slidenum">
+              <a:rPr lang="en-US" smtClean="0"/>
+              <a:pPr/>
+              <a:t>22</a:t>
+            </a:fld>
+            <a:endParaRPr lang="en-US"/>
+          </a:p>
+        </p:txBody>
+      </p:sp>
+    </p:spTree>
+    <p:extLst>
+      <p:ext uri="{BB962C8B-B14F-4D97-AF65-F5344CB8AC3E}">
+        <p14:creationId xmlns:p14="http://schemas.microsoft.com/office/powerpoint/2010/main" val="978224060"/>
+      </p:ext>
+    </p:extLst>
+  </p:cSld>
+  <p:clrMapOvr>
+    <a:masterClrMapping/>
+  </p:clrMapOvr>
+</p:notes>
+</file>
+
+<file path=ppt/notesSlides/notesSlide23.xml><?xml version="1.0" encoding="utf-8"?>
+<p:notes xmlns:a="http://schemas.openxmlformats.org/drawingml/2006/main" xmlns:r="http://schemas.openxmlformats.org/officeDocument/2006/relationships" xmlns:p="http://schemas.openxmlformats.org/presentationml/2006/main">
+  <p:cSld>
+    <p:spTree>
+      <p:nvGrpSpPr>
+        <p:cNvPr id="1" name=""/>
+        <p:cNvGrpSpPr/>
+        <p:nvPr/>
+      </p:nvGrpSpPr>
+      <p:grpSpPr>
+        <a:xfrm>
+          <a:off x="0" y="0"/>
+          <a:ext cx="0" cy="0"/>
+          <a:chOff x="0" y="0"/>
+          <a:chExt cx="0" cy="0"/>
+        </a:xfrm>
+      </p:grpSpPr>
+      <p:sp>
+        <p:nvSpPr>
+          <p:cNvPr id="2" name="Slide Image Placeholder 1"/>
+          <p:cNvSpPr>
+            <a:spLocks noGrp="1" noRot="1" noChangeAspect="1"/>
+          </p:cNvSpPr>
+          <p:nvPr>
+            <p:ph type="sldImg"/>
+          </p:nvPr>
+        </p:nvSpPr>
+        <p:spPr/>
+      </p:sp>
+      <p:sp>
+        <p:nvSpPr>
+          <p:cNvPr id="3" name="Notes Placeholder 2"/>
+          <p:cNvSpPr>
+            <a:spLocks noGrp="1"/>
+          </p:cNvSpPr>
+          <p:nvPr>
+            <p:ph type="body" idx="1"/>
+          </p:nvPr>
+        </p:nvSpPr>
+        <p:spPr/>
+        <p:txBody>
+          <a:bodyPr/>
+          <a:lstStyle/>
+          <a:p>
+            <a:endParaRPr lang="pt-BR" dirty="0" smtClean="0"/>
+          </a:p>
+          <a:p>
+            <a:endParaRPr lang="pt-BR" dirty="0"/>
+          </a:p>
+          <a:p>
+            <a:endParaRPr lang="pt-BR" dirty="0" smtClean="0"/>
+          </a:p>
+          <a:p>
+            <a:endParaRPr lang="en-US" dirty="0"/>
+          </a:p>
+        </p:txBody>
+      </p:sp>
+      <p:sp>
+        <p:nvSpPr>
+          <p:cNvPr id="4" name="Slide Number Placeholder 3"/>
+          <p:cNvSpPr>
+            <a:spLocks noGrp="1"/>
+          </p:cNvSpPr>
+          <p:nvPr>
+            <p:ph type="sldNum" sz="quarter" idx="10"/>
+          </p:nvPr>
+        </p:nvSpPr>
+        <p:spPr/>
+        <p:txBody>
+          <a:bodyPr/>
+          <a:lstStyle/>
+          <a:p>
+            <a:fld id="{B8796F01-7154-41E0-B48B-A6921757531A}" type="slidenum">
+              <a:rPr lang="en-US" smtClean="0"/>
+              <a:pPr/>
+              <a:t>23</a:t>
+            </a:fld>
+            <a:endParaRPr lang="en-US"/>
+          </a:p>
+        </p:txBody>
+      </p:sp>
+    </p:spTree>
+    <p:extLst>
+      <p:ext uri="{BB962C8B-B14F-4D97-AF65-F5344CB8AC3E}">
+        <p14:creationId xmlns:p14="http://schemas.microsoft.com/office/powerpoint/2010/main" val="2480287196"/>
+      </p:ext>
+    </p:extLst>
+  </p:cSld>
+  <p:clrMapOvr>
+    <a:masterClrMapping/>
+  </p:clrMapOvr>
+</p:notes>
+</file>
+
+<file path=ppt/notesSlides/notesSlide24.xml><?xml version="1.0" encoding="utf-8"?>
+<p:notes xmlns:a="http://schemas.openxmlformats.org/drawingml/2006/main" xmlns:r="http://schemas.openxmlformats.org/officeDocument/2006/relationships" xmlns:p="http://schemas.openxmlformats.org/presentationml/2006/main">
+  <p:cSld>
+    <p:spTree>
+      <p:nvGrpSpPr>
+        <p:cNvPr id="1" name=""/>
+        <p:cNvGrpSpPr/>
+        <p:nvPr/>
+      </p:nvGrpSpPr>
+      <p:grpSpPr>
+        <a:xfrm>
+          <a:off x="0" y="0"/>
+          <a:ext cx="0" cy="0"/>
+          <a:chOff x="0" y="0"/>
+          <a:chExt cx="0" cy="0"/>
+        </a:xfrm>
+      </p:grpSpPr>
+      <p:sp>
+        <p:nvSpPr>
+          <p:cNvPr id="2" name="Slide Image Placeholder 1"/>
+          <p:cNvSpPr>
+            <a:spLocks noGrp="1" noRot="1" noChangeAspect="1"/>
+          </p:cNvSpPr>
+          <p:nvPr>
+            <p:ph type="sldImg"/>
+          </p:nvPr>
+        </p:nvSpPr>
+        <p:spPr/>
+      </p:sp>
+      <p:sp>
+        <p:nvSpPr>
+          <p:cNvPr id="3" name="Notes Placeholder 2"/>
+          <p:cNvSpPr>
+            <a:spLocks noGrp="1"/>
+          </p:cNvSpPr>
+          <p:nvPr>
+            <p:ph type="body" idx="1"/>
+          </p:nvPr>
+        </p:nvSpPr>
+        <p:spPr/>
+        <p:txBody>
+          <a:bodyPr/>
+          <a:lstStyle/>
+          <a:p>
+            <a:endParaRPr lang="en-US"/>
+          </a:p>
+        </p:txBody>
+      </p:sp>
+      <p:sp>
+        <p:nvSpPr>
+          <p:cNvPr id="4" name="Slide Number Placeholder 3"/>
+          <p:cNvSpPr>
+            <a:spLocks noGrp="1"/>
+          </p:cNvSpPr>
+          <p:nvPr>
+            <p:ph type="sldNum" sz="quarter" idx="10"/>
+          </p:nvPr>
+        </p:nvSpPr>
+        <p:spPr/>
+        <p:txBody>
+          <a:bodyPr/>
+          <a:lstStyle/>
+          <a:p>
+            <a:fld id="{B8796F01-7154-41E0-B48B-A6921757531A}" type="slidenum">
+              <a:rPr lang="en-US" smtClean="0"/>
+              <a:pPr/>
+              <a:t>24</a:t>
+            </a:fld>
+            <a:endParaRPr lang="en-US"/>
+          </a:p>
+        </p:txBody>
+      </p:sp>
+    </p:spTree>
+    <p:extLst>
+      <p:ext uri="{BB962C8B-B14F-4D97-AF65-F5344CB8AC3E}">
+        <p14:creationId xmlns:p14="http://schemas.microsoft.com/office/powerpoint/2010/main" val="3422874749"/>
+      </p:ext>
+    </p:extLst>
+  </p:cSld>
+  <p:clrMapOvr>
+    <a:masterClrMapping/>
+  </p:clrMapOvr>
+</p:notes>
+</file>
+
+<file path=ppt/notesSlides/notesSlide25.xml><?xml version="1.0" encoding="utf-8"?>
+<p:notes xmlns:a="http://schemas.openxmlformats.org/drawingml/2006/main" xmlns:r="http://schemas.openxmlformats.org/officeDocument/2006/relationships" xmlns:p="http://schemas.openxmlformats.org/presentationml/2006/main">
+  <p:cSld>
+    <p:spTree>
+      <p:nvGrpSpPr>
+        <p:cNvPr id="1" name=""/>
+        <p:cNvGrpSpPr/>
+        <p:nvPr/>
+      </p:nvGrpSpPr>
+      <p:grpSpPr>
+        <a:xfrm>
+          <a:off x="0" y="0"/>
+          <a:ext cx="0" cy="0"/>
+          <a:chOff x="0" y="0"/>
+          <a:chExt cx="0" cy="0"/>
+        </a:xfrm>
+      </p:grpSpPr>
+      <p:sp>
+        <p:nvSpPr>
+          <p:cNvPr id="2" name="Slide Image Placeholder 1"/>
+          <p:cNvSpPr>
+            <a:spLocks noGrp="1" noRot="1" noChangeAspect="1"/>
+          </p:cNvSpPr>
+          <p:nvPr>
+            <p:ph type="sldImg"/>
+          </p:nvPr>
+        </p:nvSpPr>
+        <p:spPr/>
+      </p:sp>
+      <p:sp>
+        <p:nvSpPr>
+          <p:cNvPr id="3" name="Notes Placeholder 2"/>
+          <p:cNvSpPr>
+            <a:spLocks noGrp="1"/>
+          </p:cNvSpPr>
+          <p:nvPr>
+            <p:ph type="body" idx="1"/>
+          </p:nvPr>
+        </p:nvSpPr>
+        <p:spPr/>
+        <p:txBody>
+          <a:bodyPr/>
+          <a:lstStyle/>
+          <a:p>
+            <a:endParaRPr lang="en-US"/>
+          </a:p>
+        </p:txBody>
+      </p:sp>
+      <p:sp>
+        <p:nvSpPr>
+          <p:cNvPr id="4" name="Slide Number Placeholder 3"/>
+          <p:cNvSpPr>
+            <a:spLocks noGrp="1"/>
+          </p:cNvSpPr>
+          <p:nvPr>
+            <p:ph type="sldNum" sz="quarter" idx="10"/>
+          </p:nvPr>
+        </p:nvSpPr>
+        <p:spPr/>
+        <p:txBody>
+          <a:bodyPr/>
+          <a:lstStyle/>
+          <a:p>
+            <a:fld id="{B8796F01-7154-41E0-B48B-A6921757531A}" type="slidenum">
+              <a:rPr lang="en-US" smtClean="0"/>
+              <a:pPr/>
+              <a:t>25</a:t>
+            </a:fld>
+            <a:endParaRPr lang="en-US"/>
+          </a:p>
+        </p:txBody>
+      </p:sp>
+    </p:spTree>
+    <p:extLst>
+      <p:ext uri="{BB962C8B-B14F-4D97-AF65-F5344CB8AC3E}">
+        <p14:creationId xmlns:p14="http://schemas.microsoft.com/office/powerpoint/2010/main" val="3101312759"/>
+      </p:ext>
+    </p:extLst>
+  </p:cSld>
+  <p:clrMapOvr>
+    <a:masterClrMapping/>
+  </p:clrMapOvr>
+</p:notes>
+</file>
+
+<file path=ppt/notesSlides/notesSlide26.xml><?xml version="1.0" encoding="utf-8"?>
+<p:notes xmlns:a="http://schemas.openxmlformats.org/drawingml/2006/main" xmlns:r="http://schemas.openxmlformats.org/officeDocument/2006/relationships" xmlns:p="http://schemas.openxmlformats.org/presentationml/2006/main">
+  <p:cSld>
+    <p:spTree>
+      <p:nvGrpSpPr>
+        <p:cNvPr id="1" name=""/>
+        <p:cNvGrpSpPr/>
+        <p:nvPr/>
+      </p:nvGrpSpPr>
+      <p:grpSpPr>
+        <a:xfrm>
+          <a:off x="0" y="0"/>
+          <a:ext cx="0" cy="0"/>
+          <a:chOff x="0" y="0"/>
+          <a:chExt cx="0" cy="0"/>
+        </a:xfrm>
+      </p:grpSpPr>
+      <p:sp>
+        <p:nvSpPr>
+          <p:cNvPr id="2" name="Slide Image Placeholder 1"/>
+          <p:cNvSpPr>
+            <a:spLocks noGrp="1" noRot="1" noChangeAspect="1"/>
+          </p:cNvSpPr>
+          <p:nvPr>
+            <p:ph type="sldImg"/>
+          </p:nvPr>
+        </p:nvSpPr>
+        <p:spPr/>
+      </p:sp>
+      <p:sp>
+        <p:nvSpPr>
+          <p:cNvPr id="3" name="Notes Placeholder 2"/>
+          <p:cNvSpPr>
+            <a:spLocks noGrp="1"/>
+          </p:cNvSpPr>
+          <p:nvPr>
+            <p:ph type="body" idx="1"/>
+          </p:nvPr>
+        </p:nvSpPr>
+        <p:spPr/>
+        <p:txBody>
+          <a:bodyPr/>
+          <a:lstStyle/>
+          <a:p>
+            <a:endParaRPr lang="en-US"/>
+          </a:p>
+        </p:txBody>
+      </p:sp>
+      <p:sp>
+        <p:nvSpPr>
+          <p:cNvPr id="4" name="Slide Number Placeholder 3"/>
+          <p:cNvSpPr>
+            <a:spLocks noGrp="1"/>
+          </p:cNvSpPr>
+          <p:nvPr>
+            <p:ph type="sldNum" sz="quarter" idx="10"/>
+          </p:nvPr>
+        </p:nvSpPr>
+        <p:spPr/>
+        <p:txBody>
+          <a:bodyPr/>
+          <a:lstStyle/>
+          <a:p>
+            <a:fld id="{B8796F01-7154-41E0-B48B-A6921757531A}" type="slidenum">
+              <a:rPr lang="en-US" smtClean="0"/>
+              <a:pPr/>
+              <a:t>26</a:t>
+            </a:fld>
+            <a:endParaRPr lang="en-US"/>
+          </a:p>
+        </p:txBody>
+      </p:sp>
+    </p:spTree>
+    <p:extLst>
+      <p:ext uri="{BB962C8B-B14F-4D97-AF65-F5344CB8AC3E}">
+        <p14:creationId xmlns:p14="http://schemas.microsoft.com/office/powerpoint/2010/main" val="216273571"/>
+      </p:ext>
+    </p:extLst>
+  </p:cSld>
+  <p:clrMapOvr>
+    <a:masterClrMapping/>
+  </p:clrMapOvr>
+</p:notes>
+</file>
+
+<file path=ppt/notesSlides/notesSlide27.xml><?xml version="1.0" encoding="utf-8"?>
+<p:notes xmlns:a="http://schemas.openxmlformats.org/drawingml/2006/main" xmlns:r="http://schemas.openxmlformats.org/officeDocument/2006/relationships" xmlns:p="http://schemas.openxmlformats.org/presentationml/2006/main">
+  <p:cSld>
+    <p:spTree>
+      <p:nvGrpSpPr>
+        <p:cNvPr id="1" name=""/>
+        <p:cNvGrpSpPr/>
+        <p:nvPr/>
+      </p:nvGrpSpPr>
+      <p:grpSpPr>
+        <a:xfrm>
+          <a:off x="0" y="0"/>
+          <a:ext cx="0" cy="0"/>
+          <a:chOff x="0" y="0"/>
+          <a:chExt cx="0" cy="0"/>
+        </a:xfrm>
+      </p:grpSpPr>
+      <p:sp>
+        <p:nvSpPr>
+          <p:cNvPr id="2" name="Slide Image Placeholder 1"/>
+          <p:cNvSpPr>
+            <a:spLocks noGrp="1" noRot="1" noChangeAspect="1"/>
+          </p:cNvSpPr>
+          <p:nvPr>
+            <p:ph type="sldImg"/>
+          </p:nvPr>
+        </p:nvSpPr>
+        <p:spPr/>
+      </p:sp>
+      <p:sp>
+        <p:nvSpPr>
+          <p:cNvPr id="3" name="Notes Placeholder 2"/>
+          <p:cNvSpPr>
+            <a:spLocks noGrp="1"/>
+          </p:cNvSpPr>
+          <p:nvPr>
+            <p:ph type="body" idx="1"/>
+          </p:nvPr>
+        </p:nvSpPr>
+        <p:spPr/>
+        <p:txBody>
+          <a:bodyPr/>
+          <a:lstStyle/>
+          <a:p>
+            <a:endParaRPr lang="pt-BR" dirty="0" smtClean="0"/>
+          </a:p>
+          <a:p>
+            <a:endParaRPr lang="pt-BR" dirty="0"/>
+          </a:p>
+          <a:p>
+            <a:r>
+              <a:rPr lang="pt-BR" dirty="0" err="1" smtClean="0"/>
+              <a:t>Estocastico</a:t>
+            </a:r>
+            <a:endParaRPr lang="pt-BR" dirty="0" smtClean="0"/>
+          </a:p>
+          <a:p>
+            <a:endParaRPr lang="pt-BR" dirty="0"/>
+          </a:p>
+          <a:p>
+            <a:endParaRPr lang="pt-BR" dirty="0" smtClean="0"/>
+          </a:p>
+          <a:p>
+            <a:r>
+              <a:rPr lang="pt-BR" dirty="0" smtClean="0"/>
+              <a:t>O padrão estocástico é aquele cujo estado é </a:t>
+            </a:r>
+            <a:r>
+              <a:rPr lang="pt-BR" dirty="0" err="1" smtClean="0"/>
+              <a:t>ideterminado</a:t>
+            </a:r>
+            <a:endParaRPr lang="pt-BR" dirty="0" smtClean="0"/>
+          </a:p>
+          <a:p>
+            <a:endParaRPr lang="pt-BR" dirty="0"/>
+          </a:p>
+          <a:p>
+            <a:endParaRPr lang="pt-BR" dirty="0" smtClean="0"/>
+          </a:p>
+          <a:p>
+            <a:r>
+              <a:rPr lang="pt-BR" dirty="0" smtClean="0"/>
+              <a:t>Com origem em eventos aleatórios</a:t>
+            </a:r>
+          </a:p>
+          <a:p>
+            <a:endParaRPr lang="pt-BR" dirty="0"/>
+          </a:p>
+          <a:p>
+            <a:endParaRPr lang="pt-BR" dirty="0" smtClean="0"/>
+          </a:p>
+          <a:p>
+            <a:r>
+              <a:rPr lang="pt-BR" dirty="0" smtClean="0"/>
+              <a:t>O lançamento de dados é um exemplo..</a:t>
+            </a:r>
+          </a:p>
+          <a:p>
+            <a:endParaRPr lang="pt-BR" dirty="0"/>
+          </a:p>
+          <a:p>
+            <a:r>
+              <a:rPr lang="pt-BR" dirty="0" smtClean="0"/>
+              <a:t>Tudo que usa probabilidade é, em parte estocástico</a:t>
+            </a:r>
+          </a:p>
+          <a:p>
+            <a:endParaRPr lang="en-US" dirty="0"/>
+          </a:p>
+        </p:txBody>
+      </p:sp>
+      <p:sp>
+        <p:nvSpPr>
+          <p:cNvPr id="4" name="Slide Number Placeholder 3"/>
+          <p:cNvSpPr>
+            <a:spLocks noGrp="1"/>
+          </p:cNvSpPr>
+          <p:nvPr>
+            <p:ph type="sldNum" sz="quarter" idx="10"/>
+          </p:nvPr>
+        </p:nvSpPr>
+        <p:spPr/>
+        <p:txBody>
+          <a:bodyPr/>
+          <a:lstStyle/>
+          <a:p>
+            <a:fld id="{B8796F01-7154-41E0-B48B-A6921757531A}" type="slidenum">
+              <a:rPr lang="en-US" smtClean="0"/>
+              <a:pPr/>
+              <a:t>30</a:t>
+            </a:fld>
+            <a:endParaRPr lang="en-US"/>
+          </a:p>
+        </p:txBody>
+      </p:sp>
+    </p:spTree>
+    <p:extLst>
+      <p:ext uri="{BB962C8B-B14F-4D97-AF65-F5344CB8AC3E}">
+        <p14:creationId xmlns:p14="http://schemas.microsoft.com/office/powerpoint/2010/main" val="2036290349"/>
       </p:ext>
     </p:extLst>
   </p:cSld>
@@ -960,7 +2758,57 @@
           <a:bodyPr/>
           <a:lstStyle/>
           <a:p>
-            <a:endParaRPr lang="en-US"/>
+            <a:endParaRPr lang="pt-BR" dirty="0" smtClean="0"/>
+          </a:p>
+          <a:p>
+            <a:endParaRPr lang="pt-BR" dirty="0"/>
+          </a:p>
+          <a:p>
+            <a:r>
+              <a:rPr lang="pt-BR" dirty="0" smtClean="0"/>
+              <a:t>SINTEF – </a:t>
+            </a:r>
+            <a:r>
+              <a:rPr lang="pt-BR" dirty="0"/>
+              <a:t>a maior organização da Escandinávia dedicada a atividades de pesquisa e desenvolvimento</a:t>
+            </a:r>
+            <a:r>
+              <a:rPr lang="pt-BR" dirty="0" smtClean="0"/>
+              <a:t>. INDEPENDENTE</a:t>
+            </a:r>
+          </a:p>
+          <a:p>
+            <a:endParaRPr lang="pt-BR" dirty="0"/>
+          </a:p>
+          <a:p>
+            <a:endParaRPr lang="pt-BR" dirty="0" smtClean="0"/>
+          </a:p>
+          <a:p>
+            <a:r>
+              <a:rPr lang="pt-BR" dirty="0" smtClean="0"/>
+              <a:t>Softwares que são capazes de definir a função de uma palavra em uma oração</a:t>
+            </a:r>
+          </a:p>
+          <a:p>
+            <a:endParaRPr lang="pt-BR" dirty="0"/>
+          </a:p>
+          <a:p>
+            <a:endParaRPr lang="pt-BR" dirty="0" smtClean="0"/>
+          </a:p>
+          <a:p>
+            <a:r>
+              <a:rPr lang="pt-BR" dirty="0" smtClean="0"/>
+              <a:t>Fala sobre o </a:t>
+            </a:r>
+            <a:r>
+              <a:rPr lang="pt-BR" dirty="0" err="1" smtClean="0"/>
+              <a:t>o</a:t>
+            </a:r>
+            <a:r>
+              <a:rPr lang="pt-BR" dirty="0" smtClean="0"/>
+              <a:t> POST  e MUDA O SLIDE</a:t>
+            </a:r>
+            <a:endParaRPr lang="en-US" dirty="0"/>
           </a:p>
         </p:txBody>
       </p:sp>
@@ -982,7 +2830,7 @@
             <a:fld id="{B8796F01-7154-41E0-B48B-A6921757531A}" type="slidenum">
               <a:rPr lang="en-US" smtClean="0"/>
               <a:pPr/>
-              <a:t>15</a:t>
+              <a:t>3</a:t>
             </a:fld>
             <a:endParaRPr lang="en-US"/>
           </a:p>
@@ -991,7 +2839,738 @@
     </p:spTree>
     <p:extLst>
       <p:ext uri="{BB962C8B-B14F-4D97-AF65-F5344CB8AC3E}">
-        <p14:creationId xmlns:p14="http://schemas.microsoft.com/office/powerpoint/2010/main" val="1581700922"/>
+        <p14:creationId xmlns:p14="http://schemas.microsoft.com/office/powerpoint/2010/main" val="3520035591"/>
+      </p:ext>
+    </p:extLst>
+  </p:cSld>
+  <p:clrMapOvr>
+    <a:masterClrMapping/>
+  </p:clrMapOvr>
+</p:notes>
+</file>
+
+<file path=ppt/notesSlides/notesSlide4.xml><?xml version="1.0" encoding="utf-8"?>
+<p:notes xmlns:a="http://schemas.openxmlformats.org/drawingml/2006/main" xmlns:r="http://schemas.openxmlformats.org/officeDocument/2006/relationships" xmlns:p="http://schemas.openxmlformats.org/presentationml/2006/main">
+  <p:cSld>
+    <p:spTree>
+      <p:nvGrpSpPr>
+        <p:cNvPr id="1" name=""/>
+        <p:cNvGrpSpPr/>
+        <p:nvPr/>
+      </p:nvGrpSpPr>
+      <p:grpSpPr>
+        <a:xfrm>
+          <a:off x="0" y="0"/>
+          <a:ext cx="0" cy="0"/>
+          <a:chOff x="0" y="0"/>
+          <a:chExt cx="0" cy="0"/>
+        </a:xfrm>
+      </p:grpSpPr>
+      <p:sp>
+        <p:nvSpPr>
+          <p:cNvPr id="2" name="Slide Image Placeholder 1"/>
+          <p:cNvSpPr>
+            <a:spLocks noGrp="1" noRot="1" noChangeAspect="1"/>
+          </p:cNvSpPr>
+          <p:nvPr>
+            <p:ph type="sldImg"/>
+          </p:nvPr>
+        </p:nvSpPr>
+        <p:spPr/>
+      </p:sp>
+      <p:sp>
+        <p:nvSpPr>
+          <p:cNvPr id="3" name="Notes Placeholder 2"/>
+          <p:cNvSpPr>
+            <a:spLocks noGrp="1"/>
+          </p:cNvSpPr>
+          <p:nvPr>
+            <p:ph type="body" idx="1"/>
+          </p:nvPr>
+        </p:nvSpPr>
+        <p:spPr/>
+        <p:txBody>
+          <a:bodyPr/>
+          <a:lstStyle/>
+          <a:p>
+            <a:r>
+              <a:rPr lang="pt-BR" dirty="0" smtClean="0"/>
+              <a:t>Foco nas classes gramaticais</a:t>
+            </a:r>
+          </a:p>
+          <a:p>
+            <a:endParaRPr lang="pt-BR" dirty="0"/>
+          </a:p>
+          <a:p>
+            <a:endParaRPr lang="pt-BR" dirty="0" smtClean="0"/>
+          </a:p>
+          <a:p>
+            <a:endParaRPr lang="pt-BR" dirty="0"/>
+          </a:p>
+          <a:p>
+            <a:endParaRPr lang="pt-BR" dirty="0" smtClean="0"/>
+          </a:p>
+          <a:p>
+            <a:r>
+              <a:rPr lang="pt-BR" dirty="0" smtClean="0"/>
+              <a:t>DESAMBIGUAÇÃO APÓS PARSER</a:t>
+            </a:r>
+          </a:p>
+          <a:p>
+            <a:endParaRPr lang="pt-BR" dirty="0"/>
+          </a:p>
+          <a:p>
+            <a:endParaRPr lang="pt-BR" dirty="0" smtClean="0"/>
+          </a:p>
+          <a:p>
+            <a:r>
+              <a:rPr lang="pt-BR" dirty="0" smtClean="0"/>
+              <a:t>UTILIZANDO MTMDD COMO MEIO DE OBTER BOM DESEMPENHO</a:t>
+            </a:r>
+          </a:p>
+          <a:p>
+            <a:endParaRPr lang="pt-BR" dirty="0"/>
+          </a:p>
+          <a:p>
+            <a:endParaRPr lang="pt-BR" dirty="0" smtClean="0"/>
+          </a:p>
+          <a:p>
+            <a:endParaRPr lang="pt-BR" dirty="0"/>
+          </a:p>
+          <a:p>
+            <a:r>
+              <a:rPr lang="pt-BR" dirty="0" smtClean="0"/>
+              <a:t>NEXT </a:t>
+            </a:r>
+            <a:r>
+              <a:rPr lang="pt-BR" dirty="0" smtClean="0">
+                <a:sym typeface="Wingdings" panose="05000000000000000000" pitchFamily="2" charset="2"/>
+              </a:rPr>
+              <a:t> MOTIVAÇAO</a:t>
+            </a:r>
+            <a:endParaRPr lang="en-US" dirty="0"/>
+          </a:p>
+        </p:txBody>
+      </p:sp>
+      <p:sp>
+        <p:nvSpPr>
+          <p:cNvPr id="4" name="Slide Number Placeholder 3"/>
+          <p:cNvSpPr>
+            <a:spLocks noGrp="1"/>
+          </p:cNvSpPr>
+          <p:nvPr>
+            <p:ph type="sldNum" sz="quarter" idx="10"/>
+          </p:nvPr>
+        </p:nvSpPr>
+        <p:spPr/>
+        <p:txBody>
+          <a:bodyPr/>
+          <a:lstStyle/>
+          <a:p>
+            <a:fld id="{B8796F01-7154-41E0-B48B-A6921757531A}" type="slidenum">
+              <a:rPr lang="en-US" smtClean="0"/>
+              <a:pPr/>
+              <a:t>4</a:t>
+            </a:fld>
+            <a:endParaRPr lang="en-US"/>
+          </a:p>
+        </p:txBody>
+      </p:sp>
+    </p:spTree>
+    <p:extLst>
+      <p:ext uri="{BB962C8B-B14F-4D97-AF65-F5344CB8AC3E}">
+        <p14:creationId xmlns:p14="http://schemas.microsoft.com/office/powerpoint/2010/main" val="525311979"/>
+      </p:ext>
+    </p:extLst>
+  </p:cSld>
+  <p:clrMapOvr>
+    <a:masterClrMapping/>
+  </p:clrMapOvr>
+</p:notes>
+</file>
+
+<file path=ppt/notesSlides/notesSlide5.xml><?xml version="1.0" encoding="utf-8"?>
+<p:notes xmlns:a="http://schemas.openxmlformats.org/drawingml/2006/main" xmlns:r="http://schemas.openxmlformats.org/officeDocument/2006/relationships" xmlns:p="http://schemas.openxmlformats.org/presentationml/2006/main">
+  <p:cSld>
+    <p:spTree>
+      <p:nvGrpSpPr>
+        <p:cNvPr id="1" name=""/>
+        <p:cNvGrpSpPr/>
+        <p:nvPr/>
+      </p:nvGrpSpPr>
+      <p:grpSpPr>
+        <a:xfrm>
+          <a:off x="0" y="0"/>
+          <a:ext cx="0" cy="0"/>
+          <a:chOff x="0" y="0"/>
+          <a:chExt cx="0" cy="0"/>
+        </a:xfrm>
+      </p:grpSpPr>
+      <p:sp>
+        <p:nvSpPr>
+          <p:cNvPr id="2" name="Slide Image Placeholder 1"/>
+          <p:cNvSpPr>
+            <a:spLocks noGrp="1" noRot="1" noChangeAspect="1"/>
+          </p:cNvSpPr>
+          <p:nvPr>
+            <p:ph type="sldImg"/>
+          </p:nvPr>
+        </p:nvSpPr>
+        <p:spPr/>
+      </p:sp>
+      <p:sp>
+        <p:nvSpPr>
+          <p:cNvPr id="3" name="Notes Placeholder 2"/>
+          <p:cNvSpPr>
+            <a:spLocks noGrp="1"/>
+          </p:cNvSpPr>
+          <p:nvPr>
+            <p:ph type="body" idx="1"/>
+          </p:nvPr>
+        </p:nvSpPr>
+        <p:spPr/>
+        <p:txBody>
+          <a:bodyPr/>
+          <a:lstStyle/>
+          <a:p>
+            <a:endParaRPr lang="en-US" dirty="0"/>
+          </a:p>
+        </p:txBody>
+      </p:sp>
+      <p:sp>
+        <p:nvSpPr>
+          <p:cNvPr id="4" name="Slide Number Placeholder 3"/>
+          <p:cNvSpPr>
+            <a:spLocks noGrp="1"/>
+          </p:cNvSpPr>
+          <p:nvPr>
+            <p:ph type="sldNum" sz="quarter" idx="10"/>
+          </p:nvPr>
+        </p:nvSpPr>
+        <p:spPr/>
+        <p:txBody>
+          <a:bodyPr/>
+          <a:lstStyle/>
+          <a:p>
+            <a:fld id="{B8796F01-7154-41E0-B48B-A6921757531A}" type="slidenum">
+              <a:rPr lang="en-US" smtClean="0"/>
+              <a:pPr/>
+              <a:t>5</a:t>
+            </a:fld>
+            <a:endParaRPr lang="en-US"/>
+          </a:p>
+        </p:txBody>
+      </p:sp>
+    </p:spTree>
+    <p:extLst>
+      <p:ext uri="{BB962C8B-B14F-4D97-AF65-F5344CB8AC3E}">
+        <p14:creationId xmlns:p14="http://schemas.microsoft.com/office/powerpoint/2010/main" val="1906331509"/>
+      </p:ext>
+    </p:extLst>
+  </p:cSld>
+  <p:clrMapOvr>
+    <a:masterClrMapping/>
+  </p:clrMapOvr>
+</p:notes>
+</file>
+
+<file path=ppt/notesSlides/notesSlide6.xml><?xml version="1.0" encoding="utf-8"?>
+<p:notes xmlns:a="http://schemas.openxmlformats.org/drawingml/2006/main" xmlns:r="http://schemas.openxmlformats.org/officeDocument/2006/relationships" xmlns:p="http://schemas.openxmlformats.org/presentationml/2006/main">
+  <p:cSld>
+    <p:spTree>
+      <p:nvGrpSpPr>
+        <p:cNvPr id="1" name=""/>
+        <p:cNvGrpSpPr/>
+        <p:nvPr/>
+      </p:nvGrpSpPr>
+      <p:grpSpPr>
+        <a:xfrm>
+          <a:off x="0" y="0"/>
+          <a:ext cx="0" cy="0"/>
+          <a:chOff x="0" y="0"/>
+          <a:chExt cx="0" cy="0"/>
+        </a:xfrm>
+      </p:grpSpPr>
+      <p:sp>
+        <p:nvSpPr>
+          <p:cNvPr id="2" name="Slide Image Placeholder 1"/>
+          <p:cNvSpPr>
+            <a:spLocks noGrp="1" noRot="1" noChangeAspect="1"/>
+          </p:cNvSpPr>
+          <p:nvPr>
+            <p:ph type="sldImg"/>
+          </p:nvPr>
+        </p:nvSpPr>
+        <p:spPr/>
+      </p:sp>
+      <p:sp>
+        <p:nvSpPr>
+          <p:cNvPr id="3" name="Notes Placeholder 2"/>
+          <p:cNvSpPr>
+            <a:spLocks noGrp="1"/>
+          </p:cNvSpPr>
+          <p:nvPr>
+            <p:ph type="body" idx="1"/>
+          </p:nvPr>
+        </p:nvSpPr>
+        <p:spPr/>
+        <p:txBody>
+          <a:bodyPr/>
+          <a:lstStyle/>
+          <a:p>
+            <a:endParaRPr lang="pt-BR" dirty="0" smtClean="0"/>
+          </a:p>
+          <a:p>
+            <a:endParaRPr lang="pt-BR" dirty="0"/>
+          </a:p>
+          <a:p>
+            <a:r>
+              <a:rPr lang="pt-BR" dirty="0" smtClean="0"/>
+              <a:t>Novos caminhos para o clássico problema</a:t>
+            </a:r>
+          </a:p>
+          <a:p>
+            <a:endParaRPr lang="pt-BR" dirty="0"/>
+          </a:p>
+          <a:p>
+            <a:endParaRPr lang="pt-BR" dirty="0" smtClean="0"/>
+          </a:p>
+          <a:p>
+            <a:endParaRPr lang="pt-BR" dirty="0"/>
+          </a:p>
+          <a:p>
+            <a:r>
+              <a:rPr lang="pt-BR" dirty="0" smtClean="0"/>
+              <a:t>Utilize a velocidade do MTMDD para obter as </a:t>
+            </a:r>
+            <a:r>
+              <a:rPr lang="pt-BR" dirty="0" err="1" smtClean="0"/>
+              <a:t>tags</a:t>
+            </a:r>
+            <a:r>
+              <a:rPr lang="pt-BR" dirty="0" smtClean="0"/>
+              <a:t> rapidamente.</a:t>
+            </a:r>
+          </a:p>
+          <a:p>
+            <a:endParaRPr lang="pt-BR" dirty="0"/>
+          </a:p>
+          <a:p>
+            <a:endParaRPr lang="pt-BR" dirty="0" smtClean="0"/>
+          </a:p>
+          <a:p>
+            <a:endParaRPr lang="pt-BR" dirty="0"/>
+          </a:p>
+          <a:p>
+            <a:r>
+              <a:rPr lang="pt-BR" dirty="0" smtClean="0"/>
+              <a:t>Solução extensível.</a:t>
+            </a:r>
+          </a:p>
+          <a:p>
+            <a:endParaRPr lang="pt-BR" dirty="0"/>
+          </a:p>
+          <a:p>
+            <a:r>
+              <a:rPr lang="pt-BR" dirty="0" smtClean="0"/>
+              <a:t>Adicionou um novo dicionário, está </a:t>
+            </a:r>
+            <a:r>
+              <a:rPr lang="pt-BR" dirty="0" smtClean="0"/>
+              <a:t>funcionando</a:t>
+            </a:r>
+          </a:p>
+          <a:p>
+            <a:endParaRPr lang="pt-BR" dirty="0"/>
+          </a:p>
+          <a:p>
+            <a:r>
+              <a:rPr lang="pt-BR" dirty="0" smtClean="0"/>
+              <a:t>NEXT </a:t>
+            </a:r>
+            <a:r>
+              <a:rPr lang="pt-BR" dirty="0" smtClean="0">
+                <a:sym typeface="Wingdings" panose="05000000000000000000" pitchFamily="2" charset="2"/>
+              </a:rPr>
+              <a:t> OBJETIVOS</a:t>
+            </a:r>
+            <a:endParaRPr lang="en-US" dirty="0"/>
+          </a:p>
+        </p:txBody>
+      </p:sp>
+      <p:sp>
+        <p:nvSpPr>
+          <p:cNvPr id="4" name="Slide Number Placeholder 3"/>
+          <p:cNvSpPr>
+            <a:spLocks noGrp="1"/>
+          </p:cNvSpPr>
+          <p:nvPr>
+            <p:ph type="sldNum" sz="quarter" idx="10"/>
+          </p:nvPr>
+        </p:nvSpPr>
+        <p:spPr/>
+        <p:txBody>
+          <a:bodyPr/>
+          <a:lstStyle/>
+          <a:p>
+            <a:fld id="{B8796F01-7154-41E0-B48B-A6921757531A}" type="slidenum">
+              <a:rPr lang="en-US" smtClean="0"/>
+              <a:pPr/>
+              <a:t>6</a:t>
+            </a:fld>
+            <a:endParaRPr lang="en-US"/>
+          </a:p>
+        </p:txBody>
+      </p:sp>
+    </p:spTree>
+    <p:extLst>
+      <p:ext uri="{BB962C8B-B14F-4D97-AF65-F5344CB8AC3E}">
+        <p14:creationId xmlns:p14="http://schemas.microsoft.com/office/powerpoint/2010/main" val="3357749200"/>
+      </p:ext>
+    </p:extLst>
+  </p:cSld>
+  <p:clrMapOvr>
+    <a:masterClrMapping/>
+  </p:clrMapOvr>
+</p:notes>
+</file>
+
+<file path=ppt/notesSlides/notesSlide7.xml><?xml version="1.0" encoding="utf-8"?>
+<p:notes xmlns:a="http://schemas.openxmlformats.org/drawingml/2006/main" xmlns:r="http://schemas.openxmlformats.org/officeDocument/2006/relationships" xmlns:p="http://schemas.openxmlformats.org/presentationml/2006/main">
+  <p:cSld>
+    <p:spTree>
+      <p:nvGrpSpPr>
+        <p:cNvPr id="1" name=""/>
+        <p:cNvGrpSpPr/>
+        <p:nvPr/>
+      </p:nvGrpSpPr>
+      <p:grpSpPr>
+        <a:xfrm>
+          <a:off x="0" y="0"/>
+          <a:ext cx="0" cy="0"/>
+          <a:chOff x="0" y="0"/>
+          <a:chExt cx="0" cy="0"/>
+        </a:xfrm>
+      </p:grpSpPr>
+      <p:sp>
+        <p:nvSpPr>
+          <p:cNvPr id="2" name="Slide Image Placeholder 1"/>
+          <p:cNvSpPr>
+            <a:spLocks noGrp="1" noRot="1" noChangeAspect="1"/>
+          </p:cNvSpPr>
+          <p:nvPr>
+            <p:ph type="sldImg"/>
+          </p:nvPr>
+        </p:nvSpPr>
+        <p:spPr/>
+      </p:sp>
+      <p:sp>
+        <p:nvSpPr>
+          <p:cNvPr id="3" name="Notes Placeholder 2"/>
+          <p:cNvSpPr>
+            <a:spLocks noGrp="1"/>
+          </p:cNvSpPr>
+          <p:nvPr>
+            <p:ph type="body" idx="1"/>
+          </p:nvPr>
+        </p:nvSpPr>
+        <p:spPr/>
+        <p:txBody>
+          <a:bodyPr/>
+          <a:lstStyle/>
+          <a:p>
+            <a:endParaRPr lang="pt-BR" dirty="0" smtClean="0"/>
+          </a:p>
+          <a:p>
+            <a:endParaRPr lang="pt-BR" dirty="0"/>
+          </a:p>
+          <a:p>
+            <a:endParaRPr lang="pt-BR" dirty="0" smtClean="0"/>
+          </a:p>
+          <a:p>
+            <a:r>
+              <a:rPr lang="pt-BR" dirty="0" smtClean="0"/>
+              <a:t>OBJETIVO PRINCIPAL</a:t>
+            </a:r>
+          </a:p>
+          <a:p>
+            <a:endParaRPr lang="pt-BR" dirty="0"/>
+          </a:p>
+          <a:p>
+            <a:endParaRPr lang="pt-BR" dirty="0" smtClean="0"/>
+          </a:p>
+          <a:p>
+            <a:r>
+              <a:rPr lang="pt-BR" dirty="0" smtClean="0"/>
+              <a:t>OBTER UM DESAMBIGUADOR  QUE POSSA TRABALHAR EM CONJUNTO COM O WAGGER</a:t>
+            </a:r>
+          </a:p>
+          <a:p>
+            <a:endParaRPr lang="pt-BR" dirty="0"/>
+          </a:p>
+          <a:p>
+            <a:endParaRPr lang="pt-BR" dirty="0" smtClean="0"/>
+          </a:p>
+          <a:p>
+            <a:r>
+              <a:rPr lang="pt-BR" dirty="0" smtClean="0"/>
+              <a:t>SENDO A FASE DE DESAMBIGUAÇÃO QUE ELE NÃO POSSUI</a:t>
+            </a:r>
+          </a:p>
+          <a:p>
+            <a:endParaRPr lang="pt-BR" dirty="0"/>
+          </a:p>
+          <a:p>
+            <a:r>
+              <a:rPr lang="pt-BR" dirty="0" smtClean="0"/>
+              <a:t>DA MELHOR FORMA POSSÍVEL</a:t>
+            </a:r>
+            <a:endParaRPr lang="en-US" dirty="0"/>
+          </a:p>
+        </p:txBody>
+      </p:sp>
+      <p:sp>
+        <p:nvSpPr>
+          <p:cNvPr id="4" name="Slide Number Placeholder 3"/>
+          <p:cNvSpPr>
+            <a:spLocks noGrp="1"/>
+          </p:cNvSpPr>
+          <p:nvPr>
+            <p:ph type="sldNum" sz="quarter" idx="10"/>
+          </p:nvPr>
+        </p:nvSpPr>
+        <p:spPr/>
+        <p:txBody>
+          <a:bodyPr/>
+          <a:lstStyle/>
+          <a:p>
+            <a:fld id="{B8796F01-7154-41E0-B48B-A6921757531A}" type="slidenum">
+              <a:rPr lang="en-US" smtClean="0"/>
+              <a:pPr/>
+              <a:t>7</a:t>
+            </a:fld>
+            <a:endParaRPr lang="en-US"/>
+          </a:p>
+        </p:txBody>
+      </p:sp>
+    </p:spTree>
+    <p:extLst>
+      <p:ext uri="{BB962C8B-B14F-4D97-AF65-F5344CB8AC3E}">
+        <p14:creationId xmlns:p14="http://schemas.microsoft.com/office/powerpoint/2010/main" val="2069621167"/>
+      </p:ext>
+    </p:extLst>
+  </p:cSld>
+  <p:clrMapOvr>
+    <a:masterClrMapping/>
+  </p:clrMapOvr>
+</p:notes>
+</file>
+
+<file path=ppt/notesSlides/notesSlide8.xml><?xml version="1.0" encoding="utf-8"?>
+<p:notes xmlns:a="http://schemas.openxmlformats.org/drawingml/2006/main" xmlns:r="http://schemas.openxmlformats.org/officeDocument/2006/relationships" xmlns:p="http://schemas.openxmlformats.org/presentationml/2006/main">
+  <p:cSld>
+    <p:spTree>
+      <p:nvGrpSpPr>
+        <p:cNvPr id="1" name=""/>
+        <p:cNvGrpSpPr/>
+        <p:nvPr/>
+      </p:nvGrpSpPr>
+      <p:grpSpPr>
+        <a:xfrm>
+          <a:off x="0" y="0"/>
+          <a:ext cx="0" cy="0"/>
+          <a:chOff x="0" y="0"/>
+          <a:chExt cx="0" cy="0"/>
+        </a:xfrm>
+      </p:grpSpPr>
+      <p:sp>
+        <p:nvSpPr>
+          <p:cNvPr id="2" name="Slide Image Placeholder 1"/>
+          <p:cNvSpPr>
+            <a:spLocks noGrp="1" noRot="1" noChangeAspect="1"/>
+          </p:cNvSpPr>
+          <p:nvPr>
+            <p:ph type="sldImg"/>
+          </p:nvPr>
+        </p:nvSpPr>
+        <p:spPr/>
+      </p:sp>
+      <p:sp>
+        <p:nvSpPr>
+          <p:cNvPr id="3" name="Notes Placeholder 2"/>
+          <p:cNvSpPr>
+            <a:spLocks noGrp="1"/>
+          </p:cNvSpPr>
+          <p:nvPr>
+            <p:ph type="body" idx="1"/>
+          </p:nvPr>
+        </p:nvSpPr>
+        <p:spPr/>
+        <p:txBody>
+          <a:bodyPr/>
+          <a:lstStyle/>
+          <a:p>
+            <a:endParaRPr lang="pt-BR" dirty="0" smtClean="0"/>
+          </a:p>
+          <a:p>
+            <a:endParaRPr lang="pt-BR" dirty="0"/>
+          </a:p>
+          <a:p>
+            <a:r>
+              <a:rPr lang="pt-BR" dirty="0" smtClean="0"/>
+              <a:t>EXPLIQUE AS </a:t>
+            </a:r>
+            <a:r>
+              <a:rPr lang="pt-BR" dirty="0" smtClean="0"/>
+              <a:t>FASES</a:t>
+            </a:r>
+          </a:p>
+          <a:p>
+            <a:endParaRPr lang="pt-BR" dirty="0"/>
+          </a:p>
+          <a:p>
+            <a:endParaRPr lang="pt-BR" dirty="0" smtClean="0"/>
+          </a:p>
+          <a:p>
+            <a:endParaRPr lang="pt-BR" dirty="0"/>
+          </a:p>
+          <a:p>
+            <a:endParaRPr lang="pt-BR" dirty="0" smtClean="0"/>
+          </a:p>
+          <a:p>
+            <a:r>
+              <a:rPr lang="pt-BR" dirty="0" smtClean="0"/>
+              <a:t>NEXT </a:t>
+            </a:r>
+            <a:r>
+              <a:rPr lang="pt-BR" dirty="0" smtClean="0">
+                <a:sym typeface="Wingdings" panose="05000000000000000000" pitchFamily="2" charset="2"/>
+              </a:rPr>
+              <a:t> METODOLOGIA</a:t>
+            </a:r>
+            <a:endParaRPr lang="pt-BR" dirty="0" smtClean="0"/>
+          </a:p>
+          <a:p>
+            <a:endParaRPr lang="pt-BR" dirty="0"/>
+          </a:p>
+          <a:p>
+            <a:endParaRPr lang="en-US" dirty="0"/>
+          </a:p>
+        </p:txBody>
+      </p:sp>
+      <p:sp>
+        <p:nvSpPr>
+          <p:cNvPr id="4" name="Slide Number Placeholder 3"/>
+          <p:cNvSpPr>
+            <a:spLocks noGrp="1"/>
+          </p:cNvSpPr>
+          <p:nvPr>
+            <p:ph type="sldNum" sz="quarter" idx="10"/>
+          </p:nvPr>
+        </p:nvSpPr>
+        <p:spPr/>
+        <p:txBody>
+          <a:bodyPr/>
+          <a:lstStyle/>
+          <a:p>
+            <a:fld id="{B8796F01-7154-41E0-B48B-A6921757531A}" type="slidenum">
+              <a:rPr lang="en-US" smtClean="0"/>
+              <a:pPr/>
+              <a:t>8</a:t>
+            </a:fld>
+            <a:endParaRPr lang="en-US"/>
+          </a:p>
+        </p:txBody>
+      </p:sp>
+    </p:spTree>
+    <p:extLst>
+      <p:ext uri="{BB962C8B-B14F-4D97-AF65-F5344CB8AC3E}">
+        <p14:creationId xmlns:p14="http://schemas.microsoft.com/office/powerpoint/2010/main" val="1148910810"/>
+      </p:ext>
+    </p:extLst>
+  </p:cSld>
+  <p:clrMapOvr>
+    <a:masterClrMapping/>
+  </p:clrMapOvr>
+</p:notes>
+</file>
+
+<file path=ppt/notesSlides/notesSlide9.xml><?xml version="1.0" encoding="utf-8"?>
+<p:notes xmlns:a="http://schemas.openxmlformats.org/drawingml/2006/main" xmlns:r="http://schemas.openxmlformats.org/officeDocument/2006/relationships" xmlns:p="http://schemas.openxmlformats.org/presentationml/2006/main">
+  <p:cSld>
+    <p:spTree>
+      <p:nvGrpSpPr>
+        <p:cNvPr id="1" name=""/>
+        <p:cNvGrpSpPr/>
+        <p:nvPr/>
+      </p:nvGrpSpPr>
+      <p:grpSpPr>
+        <a:xfrm>
+          <a:off x="0" y="0"/>
+          <a:ext cx="0" cy="0"/>
+          <a:chOff x="0" y="0"/>
+          <a:chExt cx="0" cy="0"/>
+        </a:xfrm>
+      </p:grpSpPr>
+      <p:sp>
+        <p:nvSpPr>
+          <p:cNvPr id="2" name="Slide Image Placeholder 1"/>
+          <p:cNvSpPr>
+            <a:spLocks noGrp="1" noRot="1" noChangeAspect="1"/>
+          </p:cNvSpPr>
+          <p:nvPr>
+            <p:ph type="sldImg"/>
+          </p:nvPr>
+        </p:nvSpPr>
+        <p:spPr/>
+      </p:sp>
+      <p:sp>
+        <p:nvSpPr>
+          <p:cNvPr id="3" name="Notes Placeholder 2"/>
+          <p:cNvSpPr>
+            <a:spLocks noGrp="1"/>
+          </p:cNvSpPr>
+          <p:nvPr>
+            <p:ph type="body" idx="1"/>
+          </p:nvPr>
+        </p:nvSpPr>
+        <p:spPr/>
+        <p:txBody>
+          <a:bodyPr/>
+          <a:lstStyle/>
+          <a:p>
+            <a:endParaRPr lang="en-US"/>
+          </a:p>
+        </p:txBody>
+      </p:sp>
+      <p:sp>
+        <p:nvSpPr>
+          <p:cNvPr id="4" name="Slide Number Placeholder 3"/>
+          <p:cNvSpPr>
+            <a:spLocks noGrp="1"/>
+          </p:cNvSpPr>
+          <p:nvPr>
+            <p:ph type="sldNum" sz="quarter" idx="10"/>
+          </p:nvPr>
+        </p:nvSpPr>
+        <p:spPr/>
+        <p:txBody>
+          <a:bodyPr/>
+          <a:lstStyle/>
+          <a:p>
+            <a:fld id="{B8796F01-7154-41E0-B48B-A6921757531A}" type="slidenum">
+              <a:rPr lang="en-US" smtClean="0"/>
+              <a:pPr/>
+              <a:t>9</a:t>
+            </a:fld>
+            <a:endParaRPr lang="en-US"/>
+          </a:p>
+        </p:txBody>
+      </p:sp>
+    </p:spTree>
+    <p:extLst>
+      <p:ext uri="{BB962C8B-B14F-4D97-AF65-F5344CB8AC3E}">
+        <p14:creationId xmlns:p14="http://schemas.microsoft.com/office/powerpoint/2010/main" val="3432335702"/>
       </p:ext>
     </p:extLst>
   </p:cSld>
@@ -4829,7 +7408,6 @@
               <a:rPr lang="pt-BR" dirty="0" smtClean="0"/>
               <a:t>Formado por textos noticiais em português brasileiro </a:t>
             </a:r>
-            <a:endParaRPr lang="pt-BR" dirty="0" smtClean="0"/>
           </a:p>
           <a:p>
             <a:pPr lvl="1"/>
@@ -4837,7 +7415,6 @@
               <a:rPr lang="pt-BR" dirty="0" smtClean="0"/>
               <a:t>Mais de 760 mil itens etiquetados</a:t>
             </a:r>
-            <a:endParaRPr lang="pt-BR" dirty="0" smtClean="0"/>
           </a:p>
           <a:p>
             <a:pPr marL="426645" lvl="1" indent="0">
@@ -7291,7 +9868,7 @@
           <p:nvPr/>
         </p:nvPicPr>
         <p:blipFill>
-          <a:blip r:embed="rId2"/>
+          <a:blip r:embed="rId3"/>
           <a:stretch>
             <a:fillRect/>
           </a:stretch>
@@ -7427,11 +10004,7 @@
           <a:p>
             <a:r>
               <a:rPr lang="pt-BR" dirty="0" smtClean="0"/>
-              <a:t>Neo</a:t>
-            </a:r>
-            <a:r>
-              <a:rPr lang="pt-BR" dirty="0" smtClean="0"/>
-              <a:t>4j</a:t>
+              <a:t>Neo4j</a:t>
             </a:r>
           </a:p>
           <a:p>
@@ -7456,13 +10029,13 @@
   <p:clrMapOvr>
     <a:masterClrMapping/>
   </p:clrMapOvr>
-  <mc:AlternateContent xmlns:mc="http://schemas.openxmlformats.org/markup-compatibility/2006">
-    <mc:Choice xmlns:p14="http://schemas.microsoft.com/office/powerpoint/2010/main" Requires="p14">
+  <mc:AlternateContent xmlns:mc="http://schemas.openxmlformats.org/markup-compatibility/2006" xmlns:p14="http://schemas.microsoft.com/office/powerpoint/2010/main">
+    <mc:Choice Requires="p14">
       <p:transition spd="med" p14:dur="700">
         <p:fade/>
       </p:transition>
     </mc:Choice>
-    <mc:Fallback>
+    <mc:Fallback xmlns="">
       <p:transition spd="med">
         <p:fade/>
       </p:transition>
@@ -7560,11 +10133,7 @@
           <a:p>
             <a:r>
               <a:rPr lang="pt-BR" dirty="0" smtClean="0"/>
-              <a:t>Desambiguação pseudoaleat</a:t>
-            </a:r>
-            <a:r>
-              <a:rPr lang="pt-BR" dirty="0" smtClean="0"/>
-              <a:t>ória</a:t>
+              <a:t>Desambiguação pseudoaleatória</a:t>
             </a:r>
           </a:p>
           <a:p>
@@ -7636,7 +10205,7 @@
           <p:nvPr/>
         </p:nvPicPr>
         <p:blipFill>
-          <a:blip r:embed="rId2"/>
+          <a:blip r:embed="rId3"/>
           <a:stretch>
             <a:fillRect/>
           </a:stretch>
@@ -7661,13 +10230,13 @@
   <p:clrMapOvr>
     <a:masterClrMapping/>
   </p:clrMapOvr>
-  <mc:AlternateContent xmlns:mc="http://schemas.openxmlformats.org/markup-compatibility/2006">
-    <mc:Choice xmlns:p14="http://schemas.microsoft.com/office/powerpoint/2010/main" Requires="p14">
+  <mc:AlternateContent xmlns:mc="http://schemas.openxmlformats.org/markup-compatibility/2006" xmlns:p14="http://schemas.microsoft.com/office/powerpoint/2010/main">
+    <mc:Choice Requires="p14">
       <p:transition spd="med" p14:dur="700">
         <p:fade/>
       </p:transition>
     </mc:Choice>
-    <mc:Fallback>
+    <mc:Fallback xmlns="">
       <p:transition spd="med">
         <p:fade/>
       </p:transition>
@@ -7991,7 +10560,6 @@
               <a:rPr lang="pt-BR" dirty="0" smtClean="0"/>
               <a:t>Se houver valores, esses valores são utilizados como base em um cálculo para a definição da etiqueta final</a:t>
             </a:r>
-            <a:endParaRPr lang="pt-BR" dirty="0" smtClean="0"/>
           </a:p>
         </p:txBody>
       </p:sp>
@@ -8004,7 +10572,7 @@
           <p:nvPr/>
         </p:nvPicPr>
         <p:blipFill>
-          <a:blip r:embed="rId2"/>
+          <a:blip r:embed="rId3"/>
           <a:stretch>
             <a:fillRect/>
           </a:stretch>
@@ -8029,13 +10597,13 @@
   <p:clrMapOvr>
     <a:masterClrMapping/>
   </p:clrMapOvr>
-  <mc:AlternateContent xmlns:mc="http://schemas.openxmlformats.org/markup-compatibility/2006">
-    <mc:Choice xmlns:p14="http://schemas.microsoft.com/office/powerpoint/2010/main" Requires="p14">
+  <mc:AlternateContent xmlns:mc="http://schemas.openxmlformats.org/markup-compatibility/2006" xmlns:p14="http://schemas.microsoft.com/office/powerpoint/2010/main">
+    <mc:Choice Requires="p14">
       <p:transition spd="med" p14:dur="700">
         <p:fade/>
       </p:transition>
     </mc:Choice>
-    <mc:Fallback>
+    <mc:Fallback xmlns="">
       <p:transition spd="med">
         <p:fade/>
       </p:transition>
@@ -8184,7 +10752,6 @@
               <a:rPr lang="pt-BR" dirty="0" smtClean="0"/>
               <a:t>Se houver valores, esses valores são utilizados como base em um cálculo para a definição da etiqueta final</a:t>
             </a:r>
-            <a:endParaRPr lang="pt-BR" dirty="0" smtClean="0"/>
           </a:p>
         </p:txBody>
       </p:sp>
@@ -8197,7 +10764,7 @@
           <p:nvPr/>
         </p:nvPicPr>
         <p:blipFill>
-          <a:blip r:embed="rId2"/>
+          <a:blip r:embed="rId3"/>
           <a:stretch>
             <a:fillRect/>
           </a:stretch>
@@ -8222,13 +10789,13 @@
   <p:clrMapOvr>
     <a:masterClrMapping/>
   </p:clrMapOvr>
-  <mc:AlternateContent xmlns:mc="http://schemas.openxmlformats.org/markup-compatibility/2006">
-    <mc:Choice xmlns:p14="http://schemas.microsoft.com/office/powerpoint/2010/main" Requires="p14">
+  <mc:AlternateContent xmlns:mc="http://schemas.openxmlformats.org/markup-compatibility/2006" xmlns:p14="http://schemas.microsoft.com/office/powerpoint/2010/main">
+    <mc:Choice Requires="p14">
       <p:transition spd="med" p14:dur="700">
         <p:fade/>
       </p:transition>
     </mc:Choice>
-    <mc:Fallback>
+    <mc:Fallback xmlns="">
       <p:transition spd="med">
         <p:fade/>
       </p:transition>
@@ -8397,13 +10964,13 @@
   <p:clrMapOvr>
     <a:masterClrMapping/>
   </p:clrMapOvr>
-  <mc:AlternateContent xmlns:mc="http://schemas.openxmlformats.org/markup-compatibility/2006">
-    <mc:Choice xmlns:p14="http://schemas.microsoft.com/office/powerpoint/2010/main" Requires="p14">
+  <mc:AlternateContent xmlns:mc="http://schemas.openxmlformats.org/markup-compatibility/2006" xmlns:p14="http://schemas.microsoft.com/office/powerpoint/2010/main">
+    <mc:Choice Requires="p14">
       <p:transition spd="med" p14:dur="700">
         <p:fade/>
       </p:transition>
     </mc:Choice>
-    <mc:Fallback>
+    <mc:Fallback xmlns="">
       <p:transition spd="med">
         <p:fade/>
       </p:transition>
@@ -8508,7 +11075,6 @@
               <a:rPr lang="pt-BR" dirty="0" smtClean="0"/>
               <a:t>Desambiguação ponderada através de estatística</a:t>
             </a:r>
-            <a:endParaRPr lang="pt-BR" dirty="0" smtClean="0"/>
           </a:p>
           <a:p>
             <a:pPr lvl="1"/>
@@ -8570,7 +11136,6 @@
               <a:rPr lang="pt-BR" dirty="0" smtClean="0"/>
               <a:t> – Apenas a atual e seu sucessor possuem valores na lista</a:t>
             </a:r>
-            <a:endParaRPr lang="pt-BR" dirty="0" smtClean="0"/>
           </a:p>
         </p:txBody>
       </p:sp>
@@ -8584,13 +11149,13 @@
   <p:clrMapOvr>
     <a:masterClrMapping/>
   </p:clrMapOvr>
-  <mc:AlternateContent xmlns:mc="http://schemas.openxmlformats.org/markup-compatibility/2006">
-    <mc:Choice xmlns:p14="http://schemas.microsoft.com/office/powerpoint/2010/main" Requires="p14">
+  <mc:AlternateContent xmlns:mc="http://schemas.openxmlformats.org/markup-compatibility/2006" xmlns:p14="http://schemas.microsoft.com/office/powerpoint/2010/main">
+    <mc:Choice Requires="p14">
       <p:transition spd="med" p14:dur="700">
         <p:fade/>
       </p:transition>
     </mc:Choice>
-    <mc:Fallback>
+    <mc:Fallback xmlns="">
       <p:transition spd="med">
         <p:fade/>
       </p:transition>
@@ -8640,11 +11205,7 @@
           <a:p>
             <a:r>
               <a:rPr lang="pt-BR" dirty="0" smtClean="0"/>
-              <a:t>Resultados </a:t>
-            </a:r>
-            <a:r>
-              <a:rPr lang="pt-BR" dirty="0" smtClean="0"/>
-              <a:t>Obtidos</a:t>
+              <a:t>Resultados Obtidos</a:t>
             </a:r>
             <a:endParaRPr lang="en-US" dirty="0"/>
           </a:p>
@@ -8684,7 +11245,7 @@
           </p:nvPr>
         </p:nvPicPr>
         <p:blipFill>
-          <a:blip r:embed="rId2"/>
+          <a:blip r:embed="rId3"/>
           <a:stretch>
             <a:fillRect/>
           </a:stretch>
@@ -8765,11 +11326,7 @@
           <a:p>
             <a:r>
               <a:rPr lang="pt-BR" dirty="0" smtClean="0"/>
-              <a:t>Resultados </a:t>
-            </a:r>
-            <a:r>
-              <a:rPr lang="pt-BR" dirty="0" smtClean="0"/>
-              <a:t>Obtidos</a:t>
+              <a:t>Resultados Obtidos</a:t>
             </a:r>
             <a:endParaRPr lang="en-US" dirty="0"/>
           </a:p>
@@ -8826,7 +11383,7 @@
           <p:nvPr/>
         </p:nvPicPr>
         <p:blipFill>
-          <a:blip r:embed="rId2"/>
+          <a:blip r:embed="rId3"/>
           <a:stretch>
             <a:fillRect/>
           </a:stretch>
@@ -8851,13 +11408,13 @@
   <p:clrMapOvr>
     <a:masterClrMapping/>
   </p:clrMapOvr>
-  <mc:AlternateContent xmlns:mc="http://schemas.openxmlformats.org/markup-compatibility/2006">
-    <mc:Choice xmlns:p14="http://schemas.microsoft.com/office/powerpoint/2010/main" Requires="p14">
+  <mc:AlternateContent xmlns:mc="http://schemas.openxmlformats.org/markup-compatibility/2006" xmlns:p14="http://schemas.microsoft.com/office/powerpoint/2010/main">
+    <mc:Choice Requires="p14">
       <p:transition spd="med" p14:dur="700">
         <p:fade/>
       </p:transition>
     </mc:Choice>
-    <mc:Fallback>
+    <mc:Fallback xmlns="">
       <p:transition spd="med">
         <p:fade/>
       </p:transition>
@@ -8907,11 +11464,7 @@
           <a:p>
             <a:r>
               <a:rPr lang="pt-BR" dirty="0" smtClean="0"/>
-              <a:t>Resultados </a:t>
-            </a:r>
-            <a:r>
-              <a:rPr lang="pt-BR" dirty="0" smtClean="0"/>
-              <a:t>Obtidos</a:t>
+              <a:t>Resultados Obtidos</a:t>
             </a:r>
             <a:endParaRPr lang="en-US" dirty="0"/>
           </a:p>
@@ -8968,7 +11521,7 @@
           <p:nvPr/>
         </p:nvPicPr>
         <p:blipFill>
-          <a:blip r:embed="rId2"/>
+          <a:blip r:embed="rId3"/>
           <a:stretch>
             <a:fillRect/>
           </a:stretch>
@@ -8993,13 +11546,13 @@
   <p:clrMapOvr>
     <a:masterClrMapping/>
   </p:clrMapOvr>
-  <mc:AlternateContent xmlns:mc="http://schemas.openxmlformats.org/markup-compatibility/2006">
-    <mc:Choice xmlns:p14="http://schemas.microsoft.com/office/powerpoint/2010/main" Requires="p14">
+  <mc:AlternateContent xmlns:mc="http://schemas.openxmlformats.org/markup-compatibility/2006" xmlns:p14="http://schemas.microsoft.com/office/powerpoint/2010/main">
+    <mc:Choice Requires="p14">
       <p:transition spd="med" p14:dur="700">
         <p:fade/>
       </p:transition>
     </mc:Choice>
-    <mc:Fallback>
+    <mc:Fallback xmlns="">
       <p:transition spd="med">
         <p:fade/>
       </p:transition>
@@ -9410,7 +11963,6 @@
               <a:rPr lang="pt-BR" dirty="0" smtClean="0"/>
               <a:t>, ao invés de somente triplas de etiquetas, buscar 5, 7, etc... </a:t>
             </a:r>
-            <a:endParaRPr lang="pt-BR" dirty="0" smtClean="0"/>
           </a:p>
           <a:p>
             <a:pPr marL="0" indent="0">
@@ -9453,13 +12005,13 @@
   <p:clrMapOvr>
     <a:masterClrMapping/>
   </p:clrMapOvr>
-  <mc:AlternateContent xmlns:mc="http://schemas.openxmlformats.org/markup-compatibility/2006">
-    <mc:Choice xmlns:p14="http://schemas.microsoft.com/office/powerpoint/2010/main" Requires="p14">
+  <mc:AlternateContent xmlns:mc="http://schemas.openxmlformats.org/markup-compatibility/2006" xmlns:p14="http://schemas.microsoft.com/office/powerpoint/2010/main">
+    <mc:Choice Requires="p14">
       <p:transition spd="med" p14:dur="700">
         <p:fade/>
       </p:transition>
     </mc:Choice>
-    <mc:Fallback>
+    <mc:Fallback xmlns="">
       <p:transition spd="med">
         <p:fade/>
       </p:transition>
@@ -9958,8 +12510,13 @@
             <a:pPr lvl="1"/>
             <a:r>
               <a:rPr lang="pt-BR" dirty="0" smtClean="0"/>
-              <a:t>Uso de regras]</a:t>
-            </a:r>
+              <a:t>Uso de </a:t>
+            </a:r>
+            <a:r>
+              <a:rPr lang="pt-BR" dirty="0" smtClean="0"/>
+              <a:t>regras</a:t>
+            </a:r>
+            <a:endParaRPr lang="pt-BR" dirty="0" smtClean="0"/>
           </a:p>
           <a:p>
             <a:pPr lvl="1"/>
@@ -10004,7 +12561,7 @@
               <a:rPr lang="en-US" smtClean="0"/>
               <a:t>5</a:t>
             </a:fld>
-            <a:endParaRPr lang="en-US"/>
+            <a:endParaRPr lang="en-US" dirty="0"/>
           </a:p>
         </p:txBody>
       </p:sp>
@@ -10141,7 +12698,7 @@
               <a:rPr lang="en-US" smtClean="0"/>
               <a:t>6</a:t>
             </a:fld>
-            <a:endParaRPr lang="en-US"/>
+            <a:endParaRPr lang="en-US" dirty="0"/>
           </a:p>
         </p:txBody>
       </p:sp>
